--- a/presentation/Presentation.pptx
+++ b/presentation/Presentation.pptx
@@ -5,19 +5,24 @@
     <p:sldMasterId id="2147483660" r:id="rId1"/>
   </p:sldMasterIdLst>
   <p:notesMasterIdLst>
-    <p:notesMasterId r:id="rId12"/>
+    <p:notesMasterId r:id="rId17"/>
   </p:notesMasterIdLst>
   <p:sldIdLst>
     <p:sldId id="256" r:id="rId2"/>
     <p:sldId id="258" r:id="rId3"/>
     <p:sldId id="259" r:id="rId4"/>
-    <p:sldId id="260" r:id="rId5"/>
-    <p:sldId id="261" r:id="rId6"/>
-    <p:sldId id="263" r:id="rId7"/>
-    <p:sldId id="262" r:id="rId8"/>
-    <p:sldId id="264" r:id="rId9"/>
-    <p:sldId id="265" r:id="rId10"/>
-    <p:sldId id="257" r:id="rId11"/>
+    <p:sldId id="266" r:id="rId5"/>
+    <p:sldId id="267" r:id="rId6"/>
+    <p:sldId id="269" r:id="rId7"/>
+    <p:sldId id="268" r:id="rId8"/>
+    <p:sldId id="260" r:id="rId9"/>
+    <p:sldId id="263" r:id="rId10"/>
+    <p:sldId id="261" r:id="rId11"/>
+    <p:sldId id="262" r:id="rId12"/>
+    <p:sldId id="270" r:id="rId13"/>
+    <p:sldId id="264" r:id="rId14"/>
+    <p:sldId id="265" r:id="rId15"/>
+    <p:sldId id="257" r:id="rId16"/>
   </p:sldIdLst>
   <p:sldSz cx="9144000" cy="6858000" type="screen4x3"/>
   <p:notesSz cx="6858000" cy="9144000"/>
@@ -3992,6 +3997,1075 @@
         </p:nvSpPr>
         <p:spPr/>
         <p:txBody>
+          <a:bodyPr>
+            <a:normAutofit/>
+          </a:bodyPr>
+          <a:lstStyle/>
+          <a:p>
+            <a:r>
+              <a:rPr lang="de-CH" dirty="0" smtClean="0"/>
+              <a:t>Model-Training: </a:t>
+            </a:r>
+            <a:r>
+              <a:rPr lang="de-CH" dirty="0" err="1" smtClean="0"/>
+              <a:t>precision</a:t>
+            </a:r>
+            <a:endParaRPr lang="de-CH" dirty="0"/>
+          </a:p>
+        </p:txBody>
+      </p:sp>
+      <p:pic>
+        <p:nvPicPr>
+          <p:cNvPr id="9" name="Grafik 8"/>
+          <p:cNvPicPr>
+            <a:picLocks noChangeAspect="1"/>
+          </p:cNvPicPr>
+          <p:nvPr/>
+        </p:nvPicPr>
+        <p:blipFill>
+          <a:blip r:embed="rId2" cstate="print">
+            <a:extLst>
+              <a:ext uri="{28A0092B-C50C-407E-A947-70E740481C1C}">
+                <a14:useLocalDpi xmlns:a14="http://schemas.microsoft.com/office/drawing/2010/main" val="0"/>
+              </a:ext>
+            </a:extLst>
+          </a:blip>
+          <a:stretch>
+            <a:fillRect/>
+          </a:stretch>
+        </p:blipFill>
+        <p:spPr>
+          <a:xfrm>
+            <a:off x="3923928" y="2144308"/>
+            <a:ext cx="4482616" cy="4360323"/>
+          </a:xfrm>
+          <a:prstGeom prst="rect">
+            <a:avLst/>
+          </a:prstGeom>
+        </p:spPr>
+      </p:pic>
+      <mc:AlternateContent xmlns:mc="http://schemas.openxmlformats.org/markup-compatibility/2006">
+        <mc:Choice xmlns:a14="http://schemas.microsoft.com/office/drawing/2010/main" Requires="a14">
+          <p:sp>
+            <p:nvSpPr>
+              <p:cNvPr id="14" name="Textfeld 13"/>
+              <p:cNvSpPr txBox="1"/>
+              <p:nvPr/>
+            </p:nvSpPr>
+            <p:spPr>
+              <a:xfrm>
+                <a:off x="899592" y="1851441"/>
+                <a:ext cx="4865434" cy="794641"/>
+              </a:xfrm>
+              <a:prstGeom prst="rect">
+                <a:avLst/>
+              </a:prstGeom>
+              <a:noFill/>
+            </p:spPr>
+            <p:txBody>
+              <a:bodyPr wrap="none" rtlCol="0">
+                <a:spAutoFit/>
+              </a:bodyPr>
+              <a:lstStyle/>
+              <a:p>
+                <a14:m>
+                  <m:oMathPara xmlns:m="http://schemas.openxmlformats.org/officeDocument/2006/math">
+                    <m:oMathParaPr>
+                      <m:jc m:val="centerGroup"/>
+                    </m:oMathParaPr>
+                    <m:oMath xmlns:m="http://schemas.openxmlformats.org/officeDocument/2006/math">
+                      <m:r>
+                        <m:rPr>
+                          <m:sty m:val="p"/>
+                        </m:rPr>
+                        <a:rPr lang="de-CH" sz="2200" b="0" i="0" smtClean="0">
+                          <a:latin typeface="Cambria Math"/>
+                        </a:rPr>
+                        <m:t>precision</m:t>
+                      </m:r>
+                      <m:r>
+                        <a:rPr lang="de-CH" sz="2200" b="0" i="1" smtClean="0">
+                          <a:latin typeface="Cambria Math"/>
+                        </a:rPr>
+                        <m:t>=1 −  </m:t>
+                      </m:r>
+                      <m:f>
+                        <m:fPr>
+                          <m:ctrlPr>
+                            <a:rPr lang="de-CH" sz="2200" b="0" smtClean="0">
+                              <a:latin typeface="Cambria Math"/>
+                            </a:rPr>
+                          </m:ctrlPr>
+                        </m:fPr>
+                        <m:num>
+                          <m:r>
+                            <a:rPr lang="de-CH" sz="2200" b="0" i="0" smtClean="0">
+                              <a:latin typeface="Cambria Math"/>
+                            </a:rPr>
+                            <m:t>   </m:t>
+                          </m:r>
+                          <m:r>
+                            <m:rPr>
+                              <m:sty m:val="p"/>
+                            </m:rPr>
+                            <a:rPr lang="de-CH" sz="2200" b="0" i="0" smtClean="0">
+                              <a:latin typeface="Cambria Math"/>
+                            </a:rPr>
+                            <m:t>complement</m:t>
+                          </m:r>
+                        </m:num>
+                        <m:den>
+                          <m:r>
+                            <a:rPr lang="de-CH" sz="2200" b="0" i="0" smtClean="0">
+                              <a:latin typeface="Cambria Math"/>
+                            </a:rPr>
+                            <m:t>         </m:t>
+                          </m:r>
+                          <m:r>
+                            <m:rPr>
+                              <m:sty m:val="p"/>
+                            </m:rPr>
+                            <a:rPr lang="de-CH" sz="2200" b="0" i="0" smtClean="0">
+                              <a:latin typeface="Cambria Math"/>
+                            </a:rPr>
+                            <m:t>simulated</m:t>
+                          </m:r>
+                          <m:r>
+                            <a:rPr lang="de-CH" sz="2200" b="0" i="0" smtClean="0">
+                              <a:latin typeface="Cambria Math"/>
+                            </a:rPr>
+                            <m:t> </m:t>
+                          </m:r>
+                          <m:r>
+                            <m:rPr>
+                              <m:sty m:val="p"/>
+                            </m:rPr>
+                            <a:rPr lang="de-CH" sz="2200" b="0" i="0" smtClean="0">
+                              <a:latin typeface="Cambria Math"/>
+                            </a:rPr>
+                            <m:t>cong</m:t>
+                          </m:r>
+                          <m:r>
+                            <a:rPr lang="de-CH" sz="2200" b="0" i="0" smtClean="0">
+                              <a:latin typeface="Cambria Math"/>
+                            </a:rPr>
+                            <m:t>.</m:t>
+                          </m:r>
+                        </m:den>
+                      </m:f>
+                    </m:oMath>
+                  </m:oMathPara>
+                </a14:m>
+                <a:endParaRPr lang="de-CH" sz="2200" dirty="0"/>
+              </a:p>
+            </p:txBody>
+          </p:sp>
+        </mc:Choice>
+        <mc:Fallback>
+          <p:sp>
+            <p:nvSpPr>
+              <p:cNvPr id="14" name="Textfeld 13"/>
+              <p:cNvSpPr txBox="1">
+                <a:spLocks noRot="1" noChangeAspect="1" noMove="1" noResize="1" noEditPoints="1" noAdjustHandles="1" noChangeArrowheads="1" noChangeShapeType="1" noTextEdit="1"/>
+              </p:cNvSpPr>
+              <p:nvPr/>
+            </p:nvSpPr>
+            <p:spPr>
+              <a:xfrm>
+                <a:off x="899592" y="1851441"/>
+                <a:ext cx="4865434" cy="794641"/>
+              </a:xfrm>
+              <a:prstGeom prst="rect">
+                <a:avLst/>
+              </a:prstGeom>
+              <a:blipFill rotWithShape="1">
+                <a:blip r:embed="rId3"/>
+                <a:stretch>
+                  <a:fillRect/>
+                </a:stretch>
+              </a:blipFill>
+            </p:spPr>
+            <p:txBody>
+              <a:bodyPr/>
+              <a:lstStyle/>
+              <a:p>
+                <a:r>
+                  <a:rPr lang="de-CH">
+                    <a:noFill/>
+                  </a:rPr>
+                  <a:t> </a:t>
+                </a:r>
+              </a:p>
+            </p:txBody>
+          </p:sp>
+        </mc:Fallback>
+      </mc:AlternateContent>
+      <p:sp>
+        <p:nvSpPr>
+          <p:cNvPr id="16" name="Rechteck 15"/>
+          <p:cNvSpPr/>
+          <p:nvPr/>
+        </p:nvSpPr>
+        <p:spPr>
+          <a:xfrm>
+            <a:off x="3218688" y="1924425"/>
+            <a:ext cx="360040" cy="288032"/>
+          </a:xfrm>
+          <a:prstGeom prst="rect">
+            <a:avLst/>
+          </a:prstGeom>
+          <a:solidFill>
+            <a:srgbClr val="C00000"/>
+          </a:solidFill>
+        </p:spPr>
+        <p:style>
+          <a:lnRef idx="2">
+            <a:schemeClr val="dk1"/>
+          </a:lnRef>
+          <a:fillRef idx="1">
+            <a:schemeClr val="lt1"/>
+          </a:fillRef>
+          <a:effectRef idx="0">
+            <a:schemeClr val="dk1"/>
+          </a:effectRef>
+          <a:fontRef idx="minor">
+            <a:schemeClr val="dk1"/>
+          </a:fontRef>
+        </p:style>
+        <p:txBody>
+          <a:bodyPr rtlCol="0" anchor="ctr"/>
+          <a:lstStyle/>
+          <a:p>
+            <a:pPr algn="ctr"/>
+            <a:endParaRPr lang="de-CH"/>
+          </a:p>
+        </p:txBody>
+      </p:sp>
+      <p:sp>
+        <p:nvSpPr>
+          <p:cNvPr id="18" name="Rechteck 17"/>
+          <p:cNvSpPr/>
+          <p:nvPr/>
+        </p:nvSpPr>
+        <p:spPr>
+          <a:xfrm>
+            <a:off x="3218688" y="2358050"/>
+            <a:ext cx="360040" cy="288032"/>
+          </a:xfrm>
+          <a:prstGeom prst="rect">
+            <a:avLst/>
+          </a:prstGeom>
+        </p:spPr>
+        <p:style>
+          <a:lnRef idx="2">
+            <a:schemeClr val="accent2">
+              <a:shade val="50000"/>
+            </a:schemeClr>
+          </a:lnRef>
+          <a:fillRef idx="1">
+            <a:schemeClr val="accent2"/>
+          </a:fillRef>
+          <a:effectRef idx="0">
+            <a:schemeClr val="accent2"/>
+          </a:effectRef>
+          <a:fontRef idx="minor">
+            <a:schemeClr val="lt1"/>
+          </a:fontRef>
+        </p:style>
+        <p:txBody>
+          <a:bodyPr rtlCol="0" anchor="ctr"/>
+          <a:lstStyle/>
+          <a:p>
+            <a:pPr algn="ctr"/>
+            <a:endParaRPr lang="de-CH"/>
+          </a:p>
+        </p:txBody>
+      </p:sp>
+      <p:sp>
+        <p:nvSpPr>
+          <p:cNvPr id="22" name="Datumsplatzhalter 21"/>
+          <p:cNvSpPr>
+            <a:spLocks noGrp="1"/>
+          </p:cNvSpPr>
+          <p:nvPr>
+            <p:ph type="dt" sz="half" idx="10"/>
+          </p:nvPr>
+        </p:nvSpPr>
+        <p:spPr/>
+        <p:txBody>
+          <a:bodyPr/>
+          <a:lstStyle/>
+          <a:p>
+            <a:r>
+              <a:rPr lang="de-DE" smtClean="0"/>
+              <a:t>15.12.2014</a:t>
+            </a:r>
+            <a:endParaRPr lang="de-CH"/>
+          </a:p>
+        </p:txBody>
+      </p:sp>
+      <p:sp>
+        <p:nvSpPr>
+          <p:cNvPr id="23" name="Fußzeilenplatzhalter 22"/>
+          <p:cNvSpPr>
+            <a:spLocks noGrp="1"/>
+          </p:cNvSpPr>
+          <p:nvPr>
+            <p:ph type="ftr" sz="quarter" idx="12"/>
+          </p:nvPr>
+        </p:nvSpPr>
+        <p:spPr/>
+        <p:txBody>
+          <a:bodyPr/>
+          <a:lstStyle/>
+          <a:p>
+            <a:r>
+              <a:rPr lang="de-CH" smtClean="0"/>
+              <a:t>ETH Zürich - GESS</a:t>
+            </a:r>
+            <a:endParaRPr lang="de-CH"/>
+          </a:p>
+        </p:txBody>
+      </p:sp>
+      <p:sp>
+        <p:nvSpPr>
+          <p:cNvPr id="24" name="Foliennummernplatzhalter 23"/>
+          <p:cNvSpPr>
+            <a:spLocks noGrp="1"/>
+          </p:cNvSpPr>
+          <p:nvPr>
+            <p:ph type="sldNum" sz="quarter" idx="11"/>
+          </p:nvPr>
+        </p:nvSpPr>
+        <p:spPr/>
+        <p:txBody>
+          <a:bodyPr/>
+          <a:lstStyle/>
+          <a:p>
+            <a:fld id="{709AB744-4826-479B-8903-962B89629033}" type="slidenum">
+              <a:rPr lang="de-CH" smtClean="0"/>
+              <a:t>10</a:t>
+            </a:fld>
+            <a:endParaRPr lang="de-CH"/>
+          </a:p>
+        </p:txBody>
+      </p:sp>
+    </p:spTree>
+    <p:extLst>
+      <p:ext uri="{BB962C8B-B14F-4D97-AF65-F5344CB8AC3E}">
+        <p14:creationId xmlns:p14="http://schemas.microsoft.com/office/powerpoint/2010/main" val="2513831489"/>
+      </p:ext>
+    </p:extLst>
+  </p:cSld>
+  <p:clrMapOvr>
+    <a:masterClrMapping/>
+  </p:clrMapOvr>
+  <p:transition spd="slow">
+    <p:fade/>
+  </p:transition>
+  <p:timing>
+    <p:tnLst>
+      <p:par>
+        <p:cTn id="1" dur="indefinite" restart="never" nodeType="tmRoot"/>
+      </p:par>
+    </p:tnLst>
+  </p:timing>
+</p:sld>
+</file>
+
+<file path=ppt/slides/slide11.xml><?xml version="1.0" encoding="utf-8"?>
+<p:sld xmlns:a="http://schemas.openxmlformats.org/drawingml/2006/main" xmlns:r="http://schemas.openxmlformats.org/officeDocument/2006/relationships" xmlns:p="http://schemas.openxmlformats.org/presentationml/2006/main">
+  <p:cSld>
+    <p:spTree>
+      <p:nvGrpSpPr>
+        <p:cNvPr id="1" name=""/>
+        <p:cNvGrpSpPr/>
+        <p:nvPr/>
+      </p:nvGrpSpPr>
+      <p:grpSpPr>
+        <a:xfrm>
+          <a:off x="0" y="0"/>
+          <a:ext cx="0" cy="0"/>
+          <a:chOff x="0" y="0"/>
+          <a:chExt cx="0" cy="0"/>
+        </a:xfrm>
+      </p:grpSpPr>
+      <p:sp>
+        <p:nvSpPr>
+          <p:cNvPr id="2" name="Titel 1"/>
+          <p:cNvSpPr>
+            <a:spLocks noGrp="1"/>
+          </p:cNvSpPr>
+          <p:nvPr>
+            <p:ph type="title"/>
+          </p:nvPr>
+        </p:nvSpPr>
+        <p:spPr/>
+        <p:txBody>
+          <a:bodyPr/>
+          <a:lstStyle/>
+          <a:p>
+            <a:r>
+              <a:rPr lang="de-CH" dirty="0" smtClean="0"/>
+              <a:t>Model-Training: </a:t>
+            </a:r>
+            <a:r>
+              <a:rPr lang="de-CH" dirty="0" err="1" smtClean="0"/>
+              <a:t>processing</a:t>
+            </a:r>
+            <a:r>
+              <a:rPr lang="de-CH" dirty="0" smtClean="0"/>
+              <a:t> Dataset</a:t>
+            </a:r>
+            <a:endParaRPr lang="de-CH" dirty="0"/>
+          </a:p>
+        </p:txBody>
+      </p:sp>
+      <p:pic>
+        <p:nvPicPr>
+          <p:cNvPr id="4" name="Inhaltsplatzhalter 3"/>
+          <p:cNvPicPr>
+            <a:picLocks noGrp="1" noChangeAspect="1"/>
+          </p:cNvPicPr>
+          <p:nvPr>
+            <p:ph idx="1"/>
+          </p:nvPr>
+        </p:nvPicPr>
+        <p:blipFill>
+          <a:blip r:embed="rId2">
+            <a:extLst>
+              <a:ext uri="{28A0092B-C50C-407E-A947-70E740481C1C}">
+                <a14:useLocalDpi xmlns:a14="http://schemas.microsoft.com/office/drawing/2010/main" val="0"/>
+              </a:ext>
+            </a:extLst>
+          </a:blip>
+          <a:stretch>
+            <a:fillRect/>
+          </a:stretch>
+        </p:blipFill>
+        <p:spPr>
+          <a:xfrm>
+            <a:off x="1742881" y="1751013"/>
+            <a:ext cx="5658238" cy="4678362"/>
+          </a:xfrm>
+        </p:spPr>
+      </p:pic>
+      <p:sp>
+        <p:nvSpPr>
+          <p:cNvPr id="3" name="Datumsplatzhalter 2"/>
+          <p:cNvSpPr>
+            <a:spLocks noGrp="1"/>
+          </p:cNvSpPr>
+          <p:nvPr>
+            <p:ph type="dt" sz="half" idx="10"/>
+          </p:nvPr>
+        </p:nvSpPr>
+        <p:spPr/>
+        <p:txBody>
+          <a:bodyPr/>
+          <a:lstStyle/>
+          <a:p>
+            <a:r>
+              <a:rPr lang="de-DE" smtClean="0"/>
+              <a:t>15.12.2014</a:t>
+            </a:r>
+            <a:endParaRPr lang="de-CH"/>
+          </a:p>
+        </p:txBody>
+      </p:sp>
+      <p:sp>
+        <p:nvSpPr>
+          <p:cNvPr id="5" name="Fußzeilenplatzhalter 4"/>
+          <p:cNvSpPr>
+            <a:spLocks noGrp="1"/>
+          </p:cNvSpPr>
+          <p:nvPr>
+            <p:ph type="ftr" sz="quarter" idx="12"/>
+          </p:nvPr>
+        </p:nvSpPr>
+        <p:spPr/>
+        <p:txBody>
+          <a:bodyPr/>
+          <a:lstStyle/>
+          <a:p>
+            <a:r>
+              <a:rPr lang="de-CH" smtClean="0"/>
+              <a:t>ETH Zürich - GESS</a:t>
+            </a:r>
+            <a:endParaRPr lang="de-CH"/>
+          </a:p>
+        </p:txBody>
+      </p:sp>
+      <p:sp>
+        <p:nvSpPr>
+          <p:cNvPr id="6" name="Foliennummernplatzhalter 5"/>
+          <p:cNvSpPr>
+            <a:spLocks noGrp="1"/>
+          </p:cNvSpPr>
+          <p:nvPr>
+            <p:ph type="sldNum" sz="quarter" idx="11"/>
+          </p:nvPr>
+        </p:nvSpPr>
+        <p:spPr/>
+        <p:txBody>
+          <a:bodyPr/>
+          <a:lstStyle/>
+          <a:p>
+            <a:fld id="{709AB744-4826-479B-8903-962B89629033}" type="slidenum">
+              <a:rPr lang="de-CH" smtClean="0"/>
+              <a:t>11</a:t>
+            </a:fld>
+            <a:endParaRPr lang="de-CH"/>
+          </a:p>
+        </p:txBody>
+      </p:sp>
+    </p:spTree>
+    <p:extLst>
+      <p:ext uri="{BB962C8B-B14F-4D97-AF65-F5344CB8AC3E}">
+        <p14:creationId xmlns:p14="http://schemas.microsoft.com/office/powerpoint/2010/main" val="3494651352"/>
+      </p:ext>
+    </p:extLst>
+  </p:cSld>
+  <p:clrMapOvr>
+    <a:masterClrMapping/>
+  </p:clrMapOvr>
+  <p:transition spd="slow">
+    <p:fade/>
+  </p:transition>
+  <p:timing>
+    <p:tnLst>
+      <p:par>
+        <p:cTn id="1" dur="indefinite" restart="never" nodeType="tmRoot"/>
+      </p:par>
+    </p:tnLst>
+  </p:timing>
+</p:sld>
+</file>
+
+<file path=ppt/slides/slide12.xml><?xml version="1.0" encoding="utf-8"?>
+<p:sld xmlns:a="http://schemas.openxmlformats.org/drawingml/2006/main" xmlns:r="http://schemas.openxmlformats.org/officeDocument/2006/relationships" xmlns:p="http://schemas.openxmlformats.org/presentationml/2006/main">
+  <p:cSld>
+    <p:spTree>
+      <p:nvGrpSpPr>
+        <p:cNvPr id="1" name=""/>
+        <p:cNvGrpSpPr/>
+        <p:nvPr/>
+      </p:nvGrpSpPr>
+      <p:grpSpPr>
+        <a:xfrm>
+          <a:off x="0" y="0"/>
+          <a:ext cx="0" cy="0"/>
+          <a:chOff x="0" y="0"/>
+          <a:chExt cx="0" cy="0"/>
+        </a:xfrm>
+      </p:grpSpPr>
+      <p:sp>
+        <p:nvSpPr>
+          <p:cNvPr id="2" name="Titel 1"/>
+          <p:cNvSpPr>
+            <a:spLocks noGrp="1"/>
+          </p:cNvSpPr>
+          <p:nvPr>
+            <p:ph type="title"/>
+          </p:nvPr>
+        </p:nvSpPr>
+        <p:spPr/>
+        <p:txBody>
+          <a:bodyPr/>
+          <a:lstStyle/>
+          <a:p>
+            <a:r>
+              <a:rPr lang="de-CH" dirty="0" smtClean="0"/>
+              <a:t>Model-Training: Parameter </a:t>
+            </a:r>
+            <a:r>
+              <a:rPr lang="de-CH" dirty="0" err="1" smtClean="0"/>
+              <a:t>optimization</a:t>
+            </a:r>
+            <a:endParaRPr lang="de-CH" dirty="0"/>
+          </a:p>
+        </p:txBody>
+      </p:sp>
+      <p:pic>
+        <p:nvPicPr>
+          <p:cNvPr id="4" name="Inhaltsplatzhalter 3"/>
+          <p:cNvPicPr>
+            <a:picLocks noGrp="1" noChangeAspect="1"/>
+          </p:cNvPicPr>
+          <p:nvPr>
+            <p:ph idx="1"/>
+          </p:nvPr>
+        </p:nvPicPr>
+        <p:blipFill>
+          <a:blip r:embed="rId2">
+            <a:extLst>
+              <a:ext uri="{28A0092B-C50C-407E-A947-70E740481C1C}">
+                <a14:useLocalDpi xmlns:a14="http://schemas.microsoft.com/office/drawing/2010/main" val="0"/>
+              </a:ext>
+            </a:extLst>
+          </a:blip>
+          <a:stretch>
+            <a:fillRect/>
+          </a:stretch>
+        </p:blipFill>
+        <p:spPr>
+          <a:xfrm>
+            <a:off x="-449242" y="1556792"/>
+            <a:ext cx="10042484" cy="5066804"/>
+          </a:xfrm>
+        </p:spPr>
+      </p:pic>
+      <p:sp>
+        <p:nvSpPr>
+          <p:cNvPr id="3" name="Datumsplatzhalter 2"/>
+          <p:cNvSpPr>
+            <a:spLocks noGrp="1"/>
+          </p:cNvSpPr>
+          <p:nvPr>
+            <p:ph type="dt" sz="half" idx="10"/>
+          </p:nvPr>
+        </p:nvSpPr>
+        <p:spPr/>
+        <p:txBody>
+          <a:bodyPr/>
+          <a:lstStyle/>
+          <a:p>
+            <a:r>
+              <a:rPr lang="de-DE" smtClean="0"/>
+              <a:t>15.12.2014</a:t>
+            </a:r>
+            <a:endParaRPr lang="de-CH"/>
+          </a:p>
+        </p:txBody>
+      </p:sp>
+      <p:sp>
+        <p:nvSpPr>
+          <p:cNvPr id="5" name="Fußzeilenplatzhalter 4"/>
+          <p:cNvSpPr>
+            <a:spLocks noGrp="1"/>
+          </p:cNvSpPr>
+          <p:nvPr>
+            <p:ph type="ftr" sz="quarter" idx="12"/>
+          </p:nvPr>
+        </p:nvSpPr>
+        <p:spPr/>
+        <p:txBody>
+          <a:bodyPr/>
+          <a:lstStyle/>
+          <a:p>
+            <a:r>
+              <a:rPr lang="de-CH" smtClean="0"/>
+              <a:t>ETH Zürich - GESS</a:t>
+            </a:r>
+            <a:endParaRPr lang="de-CH"/>
+          </a:p>
+        </p:txBody>
+      </p:sp>
+      <p:sp>
+        <p:nvSpPr>
+          <p:cNvPr id="6" name="Foliennummernplatzhalter 5"/>
+          <p:cNvSpPr>
+            <a:spLocks noGrp="1"/>
+          </p:cNvSpPr>
+          <p:nvPr>
+            <p:ph type="sldNum" sz="quarter" idx="11"/>
+          </p:nvPr>
+        </p:nvSpPr>
+        <p:spPr/>
+        <p:txBody>
+          <a:bodyPr/>
+          <a:lstStyle/>
+          <a:p>
+            <a:fld id="{709AB744-4826-479B-8903-962B89629033}" type="slidenum">
+              <a:rPr lang="de-CH" smtClean="0"/>
+              <a:t>12</a:t>
+            </a:fld>
+            <a:endParaRPr lang="de-CH"/>
+          </a:p>
+        </p:txBody>
+      </p:sp>
+    </p:spTree>
+    <p:extLst>
+      <p:ext uri="{BB962C8B-B14F-4D97-AF65-F5344CB8AC3E}">
+        <p14:creationId xmlns:p14="http://schemas.microsoft.com/office/powerpoint/2010/main" val="2662764682"/>
+      </p:ext>
+    </p:extLst>
+  </p:cSld>
+  <p:clrMapOvr>
+    <a:masterClrMapping/>
+  </p:clrMapOvr>
+  <p:transition spd="slow">
+    <p:fade/>
+  </p:transition>
+  <p:timing>
+    <p:tnLst>
+      <p:par>
+        <p:cTn id="1" dur="indefinite" restart="never" nodeType="tmRoot"/>
+      </p:par>
+    </p:tnLst>
+  </p:timing>
+</p:sld>
+</file>
+
+<file path=ppt/slides/slide13.xml><?xml version="1.0" encoding="utf-8"?>
+<p:sld xmlns:a="http://schemas.openxmlformats.org/drawingml/2006/main" xmlns:r="http://schemas.openxmlformats.org/officeDocument/2006/relationships" xmlns:p="http://schemas.openxmlformats.org/presentationml/2006/main">
+  <p:cSld>
+    <p:spTree>
+      <p:nvGrpSpPr>
+        <p:cNvPr id="1" name=""/>
+        <p:cNvGrpSpPr/>
+        <p:nvPr/>
+      </p:nvGrpSpPr>
+      <p:grpSpPr>
+        <a:xfrm>
+          <a:off x="0" y="0"/>
+          <a:ext cx="0" cy="0"/>
+          <a:chOff x="0" y="0"/>
+          <a:chExt cx="0" cy="0"/>
+        </a:xfrm>
+      </p:grpSpPr>
+      <p:sp>
+        <p:nvSpPr>
+          <p:cNvPr id="2" name="Titel 1"/>
+          <p:cNvSpPr>
+            <a:spLocks noGrp="1"/>
+          </p:cNvSpPr>
+          <p:nvPr>
+            <p:ph type="title"/>
+          </p:nvPr>
+        </p:nvSpPr>
+        <p:spPr/>
+        <p:txBody>
+          <a:bodyPr/>
+          <a:lstStyle/>
+          <a:p>
+            <a:r>
+              <a:rPr lang="de-CH" dirty="0" err="1" smtClean="0"/>
+              <a:t>Result</a:t>
+            </a:r>
+            <a:r>
+              <a:rPr lang="de-CH" dirty="0" smtClean="0"/>
+              <a:t>: Dataset 3</a:t>
+            </a:r>
+            <a:endParaRPr lang="de-CH" dirty="0"/>
+          </a:p>
+        </p:txBody>
+      </p:sp>
+      <p:pic>
+        <p:nvPicPr>
+          <p:cNvPr id="4" name="Inhaltsplatzhalter 3"/>
+          <p:cNvPicPr>
+            <a:picLocks noGrp="1" noChangeAspect="1"/>
+          </p:cNvPicPr>
+          <p:nvPr>
+            <p:ph idx="1"/>
+          </p:nvPr>
+        </p:nvPicPr>
+        <p:blipFill>
+          <a:blip r:embed="rId2">
+            <a:extLst>
+              <a:ext uri="{28A0092B-C50C-407E-A947-70E740481C1C}">
+                <a14:useLocalDpi xmlns:a14="http://schemas.microsoft.com/office/drawing/2010/main" val="0"/>
+              </a:ext>
+            </a:extLst>
+          </a:blip>
+          <a:stretch>
+            <a:fillRect/>
+          </a:stretch>
+        </p:blipFill>
+        <p:spPr>
+          <a:xfrm>
+            <a:off x="752556" y="1751013"/>
+            <a:ext cx="7638888" cy="4678362"/>
+          </a:xfrm>
+        </p:spPr>
+      </p:pic>
+      <p:sp>
+        <p:nvSpPr>
+          <p:cNvPr id="5" name="Datumsplatzhalter 4"/>
+          <p:cNvSpPr>
+            <a:spLocks noGrp="1"/>
+          </p:cNvSpPr>
+          <p:nvPr>
+            <p:ph type="dt" sz="half" idx="10"/>
+          </p:nvPr>
+        </p:nvSpPr>
+        <p:spPr/>
+        <p:txBody>
+          <a:bodyPr/>
+          <a:lstStyle/>
+          <a:p>
+            <a:r>
+              <a:rPr lang="de-DE" smtClean="0"/>
+              <a:t>15.12.2014</a:t>
+            </a:r>
+            <a:endParaRPr lang="de-CH"/>
+          </a:p>
+        </p:txBody>
+      </p:sp>
+      <p:sp>
+        <p:nvSpPr>
+          <p:cNvPr id="6" name="Fußzeilenplatzhalter 5"/>
+          <p:cNvSpPr>
+            <a:spLocks noGrp="1"/>
+          </p:cNvSpPr>
+          <p:nvPr>
+            <p:ph type="ftr" sz="quarter" idx="12"/>
+          </p:nvPr>
+        </p:nvSpPr>
+        <p:spPr/>
+        <p:txBody>
+          <a:bodyPr/>
+          <a:lstStyle/>
+          <a:p>
+            <a:r>
+              <a:rPr lang="de-CH" smtClean="0"/>
+              <a:t>ETH Zürich - GESS</a:t>
+            </a:r>
+            <a:endParaRPr lang="de-CH"/>
+          </a:p>
+        </p:txBody>
+      </p:sp>
+      <p:sp>
+        <p:nvSpPr>
+          <p:cNvPr id="7" name="Foliennummernplatzhalter 6"/>
+          <p:cNvSpPr>
+            <a:spLocks noGrp="1"/>
+          </p:cNvSpPr>
+          <p:nvPr>
+            <p:ph type="sldNum" sz="quarter" idx="11"/>
+          </p:nvPr>
+        </p:nvSpPr>
+        <p:spPr/>
+        <p:txBody>
+          <a:bodyPr/>
+          <a:lstStyle/>
+          <a:p>
+            <a:fld id="{709AB744-4826-479B-8903-962B89629033}" type="slidenum">
+              <a:rPr lang="de-CH" smtClean="0"/>
+              <a:t>13</a:t>
+            </a:fld>
+            <a:endParaRPr lang="de-CH"/>
+          </a:p>
+        </p:txBody>
+      </p:sp>
+    </p:spTree>
+    <p:extLst>
+      <p:ext uri="{BB962C8B-B14F-4D97-AF65-F5344CB8AC3E}">
+        <p14:creationId xmlns:p14="http://schemas.microsoft.com/office/powerpoint/2010/main" val="3338124312"/>
+      </p:ext>
+    </p:extLst>
+  </p:cSld>
+  <p:clrMapOvr>
+    <a:masterClrMapping/>
+  </p:clrMapOvr>
+  <p:transition spd="slow">
+    <p:fade/>
+  </p:transition>
+  <p:timing>
+    <p:tnLst>
+      <p:par>
+        <p:cTn id="1" dur="indefinite" restart="never" nodeType="tmRoot"/>
+      </p:par>
+    </p:tnLst>
+  </p:timing>
+</p:sld>
+</file>
+
+<file path=ppt/slides/slide14.xml><?xml version="1.0" encoding="utf-8"?>
+<p:sld xmlns:a="http://schemas.openxmlformats.org/drawingml/2006/main" xmlns:r="http://schemas.openxmlformats.org/officeDocument/2006/relationships" xmlns:p="http://schemas.openxmlformats.org/presentationml/2006/main">
+  <p:cSld>
+    <p:spTree>
+      <p:nvGrpSpPr>
+        <p:cNvPr id="1" name=""/>
+        <p:cNvGrpSpPr/>
+        <p:nvPr/>
+      </p:nvGrpSpPr>
+      <p:grpSpPr>
+        <a:xfrm>
+          <a:off x="0" y="0"/>
+          <a:ext cx="0" cy="0"/>
+          <a:chOff x="0" y="0"/>
+          <a:chExt cx="0" cy="0"/>
+        </a:xfrm>
+      </p:grpSpPr>
+      <p:sp>
+        <p:nvSpPr>
+          <p:cNvPr id="2" name="Titel 1"/>
+          <p:cNvSpPr>
+            <a:spLocks noGrp="1"/>
+          </p:cNvSpPr>
+          <p:nvPr>
+            <p:ph type="title"/>
+          </p:nvPr>
+        </p:nvSpPr>
+        <p:spPr/>
+        <p:txBody>
+          <a:bodyPr/>
+          <a:lstStyle/>
+          <a:p>
+            <a:r>
+              <a:rPr lang="de-CH" dirty="0" err="1" smtClean="0"/>
+              <a:t>Result</a:t>
+            </a:r>
+            <a:r>
+              <a:rPr lang="de-CH" dirty="0" smtClean="0"/>
+              <a:t>: Dataset 4</a:t>
+            </a:r>
+            <a:endParaRPr lang="de-CH" dirty="0"/>
+          </a:p>
+        </p:txBody>
+      </p:sp>
+      <p:pic>
+        <p:nvPicPr>
+          <p:cNvPr id="4" name="Inhaltsplatzhalter 3"/>
+          <p:cNvPicPr>
+            <a:picLocks noGrp="1" noChangeAspect="1"/>
+          </p:cNvPicPr>
+          <p:nvPr>
+            <p:ph idx="1"/>
+          </p:nvPr>
+        </p:nvPicPr>
+        <p:blipFill>
+          <a:blip r:embed="rId2">
+            <a:extLst>
+              <a:ext uri="{28A0092B-C50C-407E-A947-70E740481C1C}">
+                <a14:useLocalDpi xmlns:a14="http://schemas.microsoft.com/office/drawing/2010/main" val="0"/>
+              </a:ext>
+            </a:extLst>
+          </a:blip>
+          <a:stretch>
+            <a:fillRect/>
+          </a:stretch>
+        </p:blipFill>
+        <p:spPr>
+          <a:xfrm>
+            <a:off x="896144" y="1751013"/>
+            <a:ext cx="7351711" cy="4678362"/>
+          </a:xfrm>
+        </p:spPr>
+      </p:pic>
+      <p:sp>
+        <p:nvSpPr>
+          <p:cNvPr id="5" name="Datumsplatzhalter 4"/>
+          <p:cNvSpPr>
+            <a:spLocks noGrp="1"/>
+          </p:cNvSpPr>
+          <p:nvPr>
+            <p:ph type="dt" sz="half" idx="10"/>
+          </p:nvPr>
+        </p:nvSpPr>
+        <p:spPr/>
+        <p:txBody>
+          <a:bodyPr/>
+          <a:lstStyle/>
+          <a:p>
+            <a:r>
+              <a:rPr lang="de-DE" smtClean="0"/>
+              <a:t>15.12.2014</a:t>
+            </a:r>
+            <a:endParaRPr lang="de-CH"/>
+          </a:p>
+        </p:txBody>
+      </p:sp>
+      <p:sp>
+        <p:nvSpPr>
+          <p:cNvPr id="6" name="Fußzeilenplatzhalter 5"/>
+          <p:cNvSpPr>
+            <a:spLocks noGrp="1"/>
+          </p:cNvSpPr>
+          <p:nvPr>
+            <p:ph type="ftr" sz="quarter" idx="12"/>
+          </p:nvPr>
+        </p:nvSpPr>
+        <p:spPr/>
+        <p:txBody>
+          <a:bodyPr/>
+          <a:lstStyle/>
+          <a:p>
+            <a:r>
+              <a:rPr lang="de-CH" smtClean="0"/>
+              <a:t>ETH Zürich - GESS</a:t>
+            </a:r>
+            <a:endParaRPr lang="de-CH"/>
+          </a:p>
+        </p:txBody>
+      </p:sp>
+      <p:sp>
+        <p:nvSpPr>
+          <p:cNvPr id="7" name="Foliennummernplatzhalter 6"/>
+          <p:cNvSpPr>
+            <a:spLocks noGrp="1"/>
+          </p:cNvSpPr>
+          <p:nvPr>
+            <p:ph type="sldNum" sz="quarter" idx="11"/>
+          </p:nvPr>
+        </p:nvSpPr>
+        <p:spPr/>
+        <p:txBody>
+          <a:bodyPr/>
+          <a:lstStyle/>
+          <a:p>
+            <a:fld id="{709AB744-4826-479B-8903-962B89629033}" type="slidenum">
+              <a:rPr lang="de-CH" smtClean="0"/>
+              <a:t>14</a:t>
+            </a:fld>
+            <a:endParaRPr lang="de-CH"/>
+          </a:p>
+        </p:txBody>
+      </p:sp>
+    </p:spTree>
+    <p:extLst>
+      <p:ext uri="{BB962C8B-B14F-4D97-AF65-F5344CB8AC3E}">
+        <p14:creationId xmlns:p14="http://schemas.microsoft.com/office/powerpoint/2010/main" val="3588806710"/>
+      </p:ext>
+    </p:extLst>
+  </p:cSld>
+  <p:clrMapOvr>
+    <a:masterClrMapping/>
+  </p:clrMapOvr>
+  <p:transition spd="slow">
+    <p:fade/>
+  </p:transition>
+  <p:timing>
+    <p:tnLst>
+      <p:par>
+        <p:cTn id="1" dur="indefinite" restart="never" nodeType="tmRoot"/>
+      </p:par>
+    </p:tnLst>
+  </p:timing>
+</p:sld>
+</file>
+
+<file path=ppt/slides/slide15.xml><?xml version="1.0" encoding="utf-8"?>
+<p:sld xmlns:a="http://schemas.openxmlformats.org/drawingml/2006/main" xmlns:r="http://schemas.openxmlformats.org/officeDocument/2006/relationships" xmlns:p="http://schemas.openxmlformats.org/presentationml/2006/main">
+  <p:cSld>
+    <p:spTree>
+      <p:nvGrpSpPr>
+        <p:cNvPr id="1" name=""/>
+        <p:cNvGrpSpPr/>
+        <p:nvPr/>
+      </p:nvGrpSpPr>
+      <p:grpSpPr>
+        <a:xfrm>
+          <a:off x="0" y="0"/>
+          <a:ext cx="0" cy="0"/>
+          <a:chOff x="0" y="0"/>
+          <a:chExt cx="0" cy="0"/>
+        </a:xfrm>
+      </p:grpSpPr>
+      <p:sp>
+        <p:nvSpPr>
+          <p:cNvPr id="2" name="Titel 1"/>
+          <p:cNvSpPr>
+            <a:spLocks noGrp="1"/>
+          </p:cNvSpPr>
+          <p:nvPr>
+            <p:ph type="title"/>
+          </p:nvPr>
+        </p:nvSpPr>
+        <p:spPr/>
+        <p:txBody>
           <a:bodyPr/>
           <a:lstStyle/>
           <a:p>
@@ -4311,7 +5385,7 @@
           <a:p>
             <a:fld id="{709AB744-4826-479B-8903-962B89629033}" type="slidenum">
               <a:rPr lang="de-CH" smtClean="0"/>
-              <a:t>10</a:t>
+              <a:t>15</a:t>
             </a:fld>
             <a:endParaRPr lang="de-CH"/>
           </a:p>
@@ -5003,8 +6077,8 @@
         </p:blipFill>
         <p:spPr>
           <a:xfrm>
-            <a:off x="323528" y="4653136"/>
-            <a:ext cx="8604448" cy="1038722"/>
+            <a:off x="395536" y="4711919"/>
+            <a:ext cx="8460432" cy="1021337"/>
           </a:xfrm>
           <a:prstGeom prst="rect">
             <a:avLst/>
@@ -5137,7 +6211,19 @@
           <a:p>
             <a:r>
               <a:rPr lang="de-CH" dirty="0" smtClean="0"/>
-              <a:t>Implementation</a:t>
+              <a:t>Nagel-</a:t>
+            </a:r>
+            <a:r>
+              <a:rPr lang="de-CH" dirty="0" err="1" smtClean="0"/>
+              <a:t>Schreckenberg</a:t>
+            </a:r>
+            <a:r>
+              <a:rPr lang="de-CH" dirty="0" smtClean="0"/>
+              <a:t> </a:t>
+            </a:r>
+            <a:r>
+              <a:rPr lang="de-CH" dirty="0" err="1" smtClean="0"/>
+              <a:t>model</a:t>
             </a:r>
             <a:endParaRPr lang="de-CH" dirty="0"/>
           </a:p>
@@ -5155,74 +6241,86 @@
         </p:nvSpPr>
         <p:spPr/>
         <p:txBody>
-          <a:bodyPr/>
-          <a:lstStyle/>
-          <a:p>
-            <a:r>
-              <a:rPr lang="en-GB" dirty="0" smtClean="0"/>
-              <a:t>Based on Nagel-</a:t>
-            </a:r>
-            <a:r>
-              <a:rPr lang="en-GB" dirty="0" err="1" smtClean="0"/>
-              <a:t>Schreckenberg</a:t>
-            </a:r>
-            <a:endParaRPr lang="en-GB" dirty="0" smtClean="0"/>
-          </a:p>
-          <a:p>
-            <a:pPr lvl="1"/>
-            <a:r>
-              <a:rPr lang="en-GB" dirty="0" smtClean="0"/>
-              <a:t>«move probability»</a:t>
-            </a:r>
-          </a:p>
-          <a:p>
-            <a:pPr lvl="1"/>
-            <a:r>
-              <a:rPr lang="en-GB" dirty="0" smtClean="0"/>
-              <a:t>«move correction»</a:t>
-            </a:r>
-          </a:p>
-          <a:p>
-            <a:r>
-              <a:rPr lang="en-GB" dirty="0" smtClean="0"/>
-              <a:t>Extensions:</a:t>
-            </a:r>
-          </a:p>
-          <a:p>
-            <a:pPr lvl="1"/>
-            <a:r>
-              <a:rPr lang="en-GB" dirty="0" smtClean="0"/>
-              <a:t>two lanes</a:t>
-            </a:r>
-            <a:endParaRPr lang="en-GB" dirty="0"/>
-          </a:p>
-          <a:p>
-            <a:pPr lvl="1"/>
-            <a:r>
-              <a:rPr lang="en-GB" dirty="0" smtClean="0"/>
-              <a:t>Lane change</a:t>
-            </a:r>
-          </a:p>
-          <a:p>
-            <a:pPr lvl="1"/>
-            <a:r>
-              <a:rPr lang="en-GB" dirty="0" smtClean="0"/>
-              <a:t>Red-light</a:t>
-            </a:r>
-          </a:p>
-          <a:p>
-            <a:pPr lvl="1"/>
-            <a:r>
-              <a:rPr lang="en-GB" dirty="0" smtClean="0"/>
-              <a:t>Congestion measurement</a:t>
-            </a:r>
-            <a:endParaRPr lang="en-GB" dirty="0"/>
-          </a:p>
-        </p:txBody>
-      </p:sp>
-      <p:sp>
-        <p:nvSpPr>
-          <p:cNvPr id="4" name="Datumsplatzhalter 3"/>
+          <a:bodyPr>
+            <a:normAutofit/>
+          </a:bodyPr>
+          <a:lstStyle/>
+          <a:p>
+            <a:pPr marL="514350" indent="-514350">
+              <a:buFont typeface="+mj-lt"/>
+              <a:buAutoNum type="arabicPeriod"/>
+            </a:pPr>
+            <a:r>
+              <a:rPr lang="en-US" b="1" dirty="0" smtClean="0"/>
+              <a:t>Acceleration</a:t>
+            </a:r>
+          </a:p>
+          <a:p>
+            <a:pPr marL="514350" indent="-514350">
+              <a:buFont typeface="+mj-lt"/>
+              <a:buAutoNum type="arabicPeriod"/>
+            </a:pPr>
+            <a:r>
+              <a:rPr lang="en-US" dirty="0" smtClean="0"/>
+              <a:t>Deceleration</a:t>
+            </a:r>
+          </a:p>
+          <a:p>
+            <a:pPr marL="514350" indent="-514350">
+              <a:buFont typeface="+mj-lt"/>
+              <a:buAutoNum type="arabicPeriod"/>
+            </a:pPr>
+            <a:r>
+              <a:rPr lang="en-US" dirty="0" smtClean="0"/>
+              <a:t>Lingering</a:t>
+            </a:r>
+          </a:p>
+          <a:p>
+            <a:pPr marL="514350" indent="-514350">
+              <a:buFont typeface="+mj-lt"/>
+              <a:buAutoNum type="arabicPeriod"/>
+            </a:pPr>
+            <a:r>
+              <a:rPr lang="en-US" dirty="0" smtClean="0"/>
+              <a:t>Moving forward</a:t>
+            </a:r>
+            <a:endParaRPr lang="de-CH" dirty="0"/>
+          </a:p>
+        </p:txBody>
+      </p:sp>
+      <p:pic>
+        <p:nvPicPr>
+          <p:cNvPr id="4" name="Grafik 3"/>
+          <p:cNvPicPr>
+            <a:picLocks noChangeAspect="1"/>
+          </p:cNvPicPr>
+          <p:nvPr/>
+        </p:nvPicPr>
+        <p:blipFill>
+          <a:blip r:embed="rId2">
+            <a:extLst>
+              <a:ext uri="{28A0092B-C50C-407E-A947-70E740481C1C}">
+                <a14:useLocalDpi xmlns:a14="http://schemas.microsoft.com/office/drawing/2010/main" val="0"/>
+              </a:ext>
+            </a:extLst>
+          </a:blip>
+          <a:stretch>
+            <a:fillRect/>
+          </a:stretch>
+        </p:blipFill>
+        <p:spPr>
+          <a:xfrm>
+            <a:off x="280548" y="4667649"/>
+            <a:ext cx="8568952" cy="1117063"/>
+          </a:xfrm>
+          <a:prstGeom prst="rect">
+            <a:avLst/>
+          </a:prstGeom>
+        </p:spPr>
+      </p:pic>
+      <p:sp>
+        <p:nvSpPr>
+          <p:cNvPr id="5" name="Datumsplatzhalter 4"/>
           <p:cNvSpPr>
             <a:spLocks noGrp="1"/>
           </p:cNvSpPr>
@@ -5245,7 +6343,7 @@
       </p:sp>
       <p:sp>
         <p:nvSpPr>
-          <p:cNvPr id="5" name="Fußzeilenplatzhalter 4"/>
+          <p:cNvPr id="6" name="Fußzeilenplatzhalter 5"/>
           <p:cNvSpPr>
             <a:spLocks noGrp="1"/>
           </p:cNvSpPr>
@@ -5268,7 +6366,7 @@
       </p:sp>
       <p:sp>
         <p:nvSpPr>
-          <p:cNvPr id="6" name="Foliennummernplatzhalter 5"/>
+          <p:cNvPr id="7" name="Foliennummernplatzhalter 6"/>
           <p:cNvSpPr>
             <a:spLocks noGrp="1"/>
           </p:cNvSpPr>
@@ -5292,7 +6390,7 @@
     </p:spTree>
     <p:extLst>
       <p:ext uri="{BB962C8B-B14F-4D97-AF65-F5344CB8AC3E}">
-        <p14:creationId xmlns:p14="http://schemas.microsoft.com/office/powerpoint/2010/main" val="3735708455"/>
+        <p14:creationId xmlns:p14="http://schemas.microsoft.com/office/powerpoint/2010/main" val="59950686"/>
       </p:ext>
     </p:extLst>
   </p:cSld>
@@ -5341,18 +6439,83 @@
         </p:nvSpPr>
         <p:spPr/>
         <p:txBody>
+          <a:bodyPr/>
+          <a:lstStyle/>
+          <a:p>
+            <a:r>
+              <a:rPr lang="de-CH" dirty="0" smtClean="0"/>
+              <a:t>Nagel-</a:t>
+            </a:r>
+            <a:r>
+              <a:rPr lang="de-CH" dirty="0" err="1" smtClean="0"/>
+              <a:t>Schreckenberg</a:t>
+            </a:r>
+            <a:r>
+              <a:rPr lang="de-CH" dirty="0" smtClean="0"/>
+              <a:t> </a:t>
+            </a:r>
+            <a:r>
+              <a:rPr lang="de-CH" dirty="0" err="1" smtClean="0"/>
+              <a:t>model</a:t>
+            </a:r>
+            <a:endParaRPr lang="de-CH" dirty="0"/>
+          </a:p>
+        </p:txBody>
+      </p:sp>
+      <p:sp>
+        <p:nvSpPr>
+          <p:cNvPr id="3" name="Inhaltsplatzhalter 2"/>
+          <p:cNvSpPr>
+            <a:spLocks noGrp="1"/>
+          </p:cNvSpPr>
+          <p:nvPr>
+            <p:ph idx="1"/>
+          </p:nvPr>
+        </p:nvSpPr>
+        <p:spPr/>
+        <p:txBody>
           <a:bodyPr>
             <a:normAutofit/>
           </a:bodyPr>
           <a:lstStyle/>
           <a:p>
-            <a:r>
-              <a:rPr lang="de-CH" dirty="0" smtClean="0"/>
-              <a:t>Model-Training: </a:t>
-            </a:r>
-            <a:r>
-              <a:rPr lang="de-CH" dirty="0" err="1" smtClean="0"/>
-              <a:t>precision</a:t>
+            <a:pPr marL="514350" indent="-514350">
+              <a:buFont typeface="+mj-lt"/>
+              <a:buAutoNum type="arabicPeriod"/>
+            </a:pPr>
+            <a:r>
+              <a:rPr lang="en-US" dirty="0" smtClean="0"/>
+              <a:t>Acceleration</a:t>
+            </a:r>
+          </a:p>
+          <a:p>
+            <a:pPr marL="514350" indent="-514350">
+              <a:buFont typeface="+mj-lt"/>
+              <a:buAutoNum type="arabicPeriod"/>
+            </a:pPr>
+            <a:r>
+              <a:rPr lang="en-US" b="1" dirty="0" smtClean="0"/>
+              <a:t>Deceleration</a:t>
+            </a:r>
+          </a:p>
+          <a:p>
+            <a:pPr marL="514350" indent="-514350">
+              <a:buFont typeface="+mj-lt"/>
+              <a:buAutoNum type="arabicPeriod"/>
+            </a:pPr>
+            <a:r>
+              <a:rPr lang="en-US" dirty="0" smtClean="0"/>
+              <a:t>Lingering</a:t>
+            </a:r>
+          </a:p>
+          <a:p>
+            <a:pPr marL="514350" indent="-514350">
+              <a:buFont typeface="+mj-lt"/>
+              <a:buAutoNum type="arabicPeriod"/>
+            </a:pPr>
+            <a:r>
+              <a:rPr lang="en-US" dirty="0" smtClean="0"/>
+              <a:t>Moving forward</a:t>
             </a:r>
             <a:endParaRPr lang="de-CH" dirty="0"/>
           </a:p>
@@ -5360,14 +6523,14 @@
       </p:sp>
       <p:pic>
         <p:nvPicPr>
-          <p:cNvPr id="9" name="Grafik 8"/>
+          <p:cNvPr id="4" name="Grafik 3"/>
           <p:cNvPicPr>
             <a:picLocks noChangeAspect="1"/>
           </p:cNvPicPr>
           <p:nvPr/>
         </p:nvPicPr>
         <p:blipFill>
-          <a:blip r:embed="rId2" cstate="print">
+          <a:blip r:embed="rId2">
             <a:extLst>
               <a:ext uri="{28A0092B-C50C-407E-A947-70E740481C1C}">
                 <a14:useLocalDpi xmlns:a14="http://schemas.microsoft.com/office/drawing/2010/main" val="0"/>
@@ -5380,253 +6543,17 @@
         </p:blipFill>
         <p:spPr>
           <a:xfrm>
-            <a:off x="3923928" y="2144308"/>
-            <a:ext cx="4482616" cy="4360323"/>
+            <a:off x="386563" y="4667650"/>
+            <a:ext cx="8592440" cy="1129041"/>
           </a:xfrm>
           <a:prstGeom prst="rect">
             <a:avLst/>
           </a:prstGeom>
         </p:spPr>
       </p:pic>
-      <mc:AlternateContent xmlns:mc="http://schemas.openxmlformats.org/markup-compatibility/2006">
-        <mc:Choice xmlns:a14="http://schemas.microsoft.com/office/drawing/2010/main" Requires="a14">
-          <p:sp>
-            <p:nvSpPr>
-              <p:cNvPr id="14" name="Textfeld 13"/>
-              <p:cNvSpPr txBox="1"/>
-              <p:nvPr/>
-            </p:nvSpPr>
-            <p:spPr>
-              <a:xfrm>
-                <a:off x="899592" y="1851441"/>
-                <a:ext cx="4865434" cy="794641"/>
-              </a:xfrm>
-              <a:prstGeom prst="rect">
-                <a:avLst/>
-              </a:prstGeom>
-              <a:noFill/>
-            </p:spPr>
-            <p:txBody>
-              <a:bodyPr wrap="none" rtlCol="0">
-                <a:spAutoFit/>
-              </a:bodyPr>
-              <a:lstStyle/>
-              <a:p>
-                <a14:m>
-                  <m:oMathPara xmlns:m="http://schemas.openxmlformats.org/officeDocument/2006/math">
-                    <m:oMathParaPr>
-                      <m:jc m:val="centerGroup"/>
-                    </m:oMathParaPr>
-                    <m:oMath xmlns:m="http://schemas.openxmlformats.org/officeDocument/2006/math">
-                      <m:r>
-                        <m:rPr>
-                          <m:sty m:val="p"/>
-                        </m:rPr>
-                        <a:rPr lang="de-CH" sz="2200" b="0" i="0" smtClean="0">
-                          <a:latin typeface="Cambria Math"/>
-                        </a:rPr>
-                        <m:t>precision</m:t>
-                      </m:r>
-                      <m:r>
-                        <a:rPr lang="de-CH" sz="2200" b="0" i="1" smtClean="0">
-                          <a:latin typeface="Cambria Math"/>
-                        </a:rPr>
-                        <m:t>=1 −  </m:t>
-                      </m:r>
-                      <m:f>
-                        <m:fPr>
-                          <m:ctrlPr>
-                            <a:rPr lang="de-CH" sz="2200" b="0" smtClean="0">
-                              <a:latin typeface="Cambria Math"/>
-                            </a:rPr>
-                          </m:ctrlPr>
-                        </m:fPr>
-                        <m:num>
-                          <m:r>
-                            <a:rPr lang="de-CH" sz="2200" b="0" i="0" smtClean="0">
-                              <a:latin typeface="Cambria Math"/>
-                            </a:rPr>
-                            <m:t>   </m:t>
-                          </m:r>
-                          <m:r>
-                            <m:rPr>
-                              <m:sty m:val="p"/>
-                            </m:rPr>
-                            <a:rPr lang="de-CH" sz="2200" b="0" i="0" smtClean="0">
-                              <a:latin typeface="Cambria Math"/>
-                            </a:rPr>
-                            <m:t>complement</m:t>
-                          </m:r>
-                        </m:num>
-                        <m:den>
-                          <m:r>
-                            <a:rPr lang="de-CH" sz="2200" b="0" i="0" smtClean="0">
-                              <a:latin typeface="Cambria Math"/>
-                            </a:rPr>
-                            <m:t>         </m:t>
-                          </m:r>
-                          <m:r>
-                            <m:rPr>
-                              <m:sty m:val="p"/>
-                            </m:rPr>
-                            <a:rPr lang="de-CH" sz="2200" b="0" i="0" smtClean="0">
-                              <a:latin typeface="Cambria Math"/>
-                            </a:rPr>
-                            <m:t>simulated</m:t>
-                          </m:r>
-                          <m:r>
-                            <a:rPr lang="de-CH" sz="2200" b="0" i="0" smtClean="0">
-                              <a:latin typeface="Cambria Math"/>
-                            </a:rPr>
-                            <m:t> </m:t>
-                          </m:r>
-                          <m:r>
-                            <m:rPr>
-                              <m:sty m:val="p"/>
-                            </m:rPr>
-                            <a:rPr lang="de-CH" sz="2200" b="0" i="0" smtClean="0">
-                              <a:latin typeface="Cambria Math"/>
-                            </a:rPr>
-                            <m:t>cong</m:t>
-                          </m:r>
-                          <m:r>
-                            <a:rPr lang="de-CH" sz="2200" b="0" i="0" smtClean="0">
-                              <a:latin typeface="Cambria Math"/>
-                            </a:rPr>
-                            <m:t>.</m:t>
-                          </m:r>
-                        </m:den>
-                      </m:f>
-                    </m:oMath>
-                  </m:oMathPara>
-                </a14:m>
-                <a:endParaRPr lang="de-CH" sz="2200" dirty="0"/>
-              </a:p>
-            </p:txBody>
-          </p:sp>
-        </mc:Choice>
-        <mc:Fallback>
-          <p:sp>
-            <p:nvSpPr>
-              <p:cNvPr id="14" name="Textfeld 13"/>
-              <p:cNvSpPr txBox="1">
-                <a:spLocks noRot="1" noChangeAspect="1" noMove="1" noResize="1" noEditPoints="1" noAdjustHandles="1" noChangeArrowheads="1" noChangeShapeType="1" noTextEdit="1"/>
-              </p:cNvSpPr>
-              <p:nvPr/>
-            </p:nvSpPr>
-            <p:spPr>
-              <a:xfrm>
-                <a:off x="899592" y="1851441"/>
-                <a:ext cx="4865434" cy="794641"/>
-              </a:xfrm>
-              <a:prstGeom prst="rect">
-                <a:avLst/>
-              </a:prstGeom>
-              <a:blipFill rotWithShape="1">
-                <a:blip r:embed="rId3"/>
-                <a:stretch>
-                  <a:fillRect/>
-                </a:stretch>
-              </a:blipFill>
-            </p:spPr>
-            <p:txBody>
-              <a:bodyPr/>
-              <a:lstStyle/>
-              <a:p>
-                <a:r>
-                  <a:rPr lang="de-CH">
-                    <a:noFill/>
-                  </a:rPr>
-                  <a:t> </a:t>
-                </a:r>
-              </a:p>
-            </p:txBody>
-          </p:sp>
-        </mc:Fallback>
-      </mc:AlternateContent>
-      <p:sp>
-        <p:nvSpPr>
-          <p:cNvPr id="16" name="Rechteck 15"/>
-          <p:cNvSpPr/>
-          <p:nvPr/>
-        </p:nvSpPr>
-        <p:spPr>
-          <a:xfrm>
-            <a:off x="3218688" y="1924425"/>
-            <a:ext cx="360040" cy="288032"/>
-          </a:xfrm>
-          <a:prstGeom prst="rect">
-            <a:avLst/>
-          </a:prstGeom>
-        </p:spPr>
-        <p:style>
-          <a:lnRef idx="2">
-            <a:schemeClr val="accent2">
-              <a:shade val="50000"/>
-            </a:schemeClr>
-          </a:lnRef>
-          <a:fillRef idx="1">
-            <a:schemeClr val="accent2"/>
-          </a:fillRef>
-          <a:effectRef idx="0">
-            <a:schemeClr val="accent2"/>
-          </a:effectRef>
-          <a:fontRef idx="minor">
-            <a:schemeClr val="lt1"/>
-          </a:fontRef>
-        </p:style>
-        <p:txBody>
-          <a:bodyPr rtlCol="0" anchor="ctr"/>
-          <a:lstStyle/>
-          <a:p>
-            <a:pPr algn="ctr"/>
-            <a:endParaRPr lang="de-CH"/>
-          </a:p>
-        </p:txBody>
-      </p:sp>
-      <p:sp>
-        <p:nvSpPr>
-          <p:cNvPr id="18" name="Rechteck 17"/>
-          <p:cNvSpPr/>
-          <p:nvPr/>
-        </p:nvSpPr>
-        <p:spPr>
-          <a:xfrm>
-            <a:off x="3218688" y="2358050"/>
-            <a:ext cx="360040" cy="288032"/>
-          </a:xfrm>
-          <a:prstGeom prst="rect">
-            <a:avLst/>
-          </a:prstGeom>
-        </p:spPr>
-        <p:style>
-          <a:lnRef idx="2">
-            <a:schemeClr val="accent1">
-              <a:shade val="50000"/>
-            </a:schemeClr>
-          </a:lnRef>
-          <a:fillRef idx="1001">
-            <a:schemeClr val="dk2"/>
-          </a:fillRef>
-          <a:effectRef idx="0">
-            <a:schemeClr val="accent1"/>
-          </a:effectRef>
-          <a:fontRef idx="minor">
-            <a:schemeClr val="lt1"/>
-          </a:fontRef>
-        </p:style>
-        <p:txBody>
-          <a:bodyPr rtlCol="0" anchor="ctr"/>
-          <a:lstStyle/>
-          <a:p>
-            <a:pPr algn="ctr"/>
-            <a:endParaRPr lang="de-CH"/>
-          </a:p>
-        </p:txBody>
-      </p:sp>
-      <p:sp>
-        <p:nvSpPr>
-          <p:cNvPr id="22" name="Datumsplatzhalter 21"/>
+      <p:sp>
+        <p:nvSpPr>
+          <p:cNvPr id="5" name="Datumsplatzhalter 4"/>
           <p:cNvSpPr>
             <a:spLocks noGrp="1"/>
           </p:cNvSpPr>
@@ -5649,7 +6576,7 @@
       </p:sp>
       <p:sp>
         <p:nvSpPr>
-          <p:cNvPr id="23" name="Fußzeilenplatzhalter 22"/>
+          <p:cNvPr id="6" name="Fußzeilenplatzhalter 5"/>
           <p:cNvSpPr>
             <a:spLocks noGrp="1"/>
           </p:cNvSpPr>
@@ -5672,7 +6599,7 @@
       </p:sp>
       <p:sp>
         <p:nvSpPr>
-          <p:cNvPr id="24" name="Foliennummernplatzhalter 23"/>
+          <p:cNvPr id="7" name="Foliennummernplatzhalter 6"/>
           <p:cNvSpPr>
             <a:spLocks noGrp="1"/>
           </p:cNvSpPr>
@@ -5696,7 +6623,7 @@
     </p:spTree>
     <p:extLst>
       <p:ext uri="{BB962C8B-B14F-4D97-AF65-F5344CB8AC3E}">
-        <p14:creationId xmlns:p14="http://schemas.microsoft.com/office/powerpoint/2010/main" val="2513831489"/>
+        <p14:creationId xmlns:p14="http://schemas.microsoft.com/office/powerpoint/2010/main" val="59950686"/>
       </p:ext>
     </p:extLst>
   </p:cSld>
@@ -5717,6 +6644,681 @@
 </file>
 
 <file path=ppt/slides/slide6.xml><?xml version="1.0" encoding="utf-8"?>
+<p:sld xmlns:a="http://schemas.openxmlformats.org/drawingml/2006/main" xmlns:r="http://schemas.openxmlformats.org/officeDocument/2006/relationships" xmlns:p="http://schemas.openxmlformats.org/presentationml/2006/main">
+  <p:cSld>
+    <p:spTree>
+      <p:nvGrpSpPr>
+        <p:cNvPr id="1" name=""/>
+        <p:cNvGrpSpPr/>
+        <p:nvPr/>
+      </p:nvGrpSpPr>
+      <p:grpSpPr>
+        <a:xfrm>
+          <a:off x="0" y="0"/>
+          <a:ext cx="0" cy="0"/>
+          <a:chOff x="0" y="0"/>
+          <a:chExt cx="0" cy="0"/>
+        </a:xfrm>
+      </p:grpSpPr>
+      <p:sp>
+        <p:nvSpPr>
+          <p:cNvPr id="2" name="Titel 1"/>
+          <p:cNvSpPr>
+            <a:spLocks noGrp="1"/>
+          </p:cNvSpPr>
+          <p:nvPr>
+            <p:ph type="title"/>
+          </p:nvPr>
+        </p:nvSpPr>
+        <p:spPr/>
+        <p:txBody>
+          <a:bodyPr/>
+          <a:lstStyle/>
+          <a:p>
+            <a:r>
+              <a:rPr lang="de-CH" dirty="0" smtClean="0"/>
+              <a:t>Nagel-</a:t>
+            </a:r>
+            <a:r>
+              <a:rPr lang="de-CH" dirty="0" err="1" smtClean="0"/>
+              <a:t>Schreckenberg</a:t>
+            </a:r>
+            <a:r>
+              <a:rPr lang="de-CH" dirty="0" smtClean="0"/>
+              <a:t> </a:t>
+            </a:r>
+            <a:r>
+              <a:rPr lang="de-CH" dirty="0" err="1" smtClean="0"/>
+              <a:t>model</a:t>
+            </a:r>
+            <a:endParaRPr lang="de-CH" dirty="0"/>
+          </a:p>
+        </p:txBody>
+      </p:sp>
+      <p:sp>
+        <p:nvSpPr>
+          <p:cNvPr id="3" name="Inhaltsplatzhalter 2"/>
+          <p:cNvSpPr>
+            <a:spLocks noGrp="1"/>
+          </p:cNvSpPr>
+          <p:nvPr>
+            <p:ph idx="1"/>
+          </p:nvPr>
+        </p:nvSpPr>
+        <p:spPr/>
+        <p:txBody>
+          <a:bodyPr>
+            <a:normAutofit/>
+          </a:bodyPr>
+          <a:lstStyle/>
+          <a:p>
+            <a:pPr marL="514350" indent="-514350">
+              <a:buFont typeface="+mj-lt"/>
+              <a:buAutoNum type="arabicPeriod"/>
+            </a:pPr>
+            <a:r>
+              <a:rPr lang="en-US" dirty="0" smtClean="0"/>
+              <a:t>Acceleration</a:t>
+            </a:r>
+          </a:p>
+          <a:p>
+            <a:pPr marL="514350" indent="-514350">
+              <a:buFont typeface="+mj-lt"/>
+              <a:buAutoNum type="arabicPeriod"/>
+            </a:pPr>
+            <a:r>
+              <a:rPr lang="en-US" dirty="0" smtClean="0"/>
+              <a:t>Deceleration</a:t>
+            </a:r>
+          </a:p>
+          <a:p>
+            <a:pPr marL="514350" indent="-514350">
+              <a:buFont typeface="+mj-lt"/>
+              <a:buAutoNum type="arabicPeriod"/>
+            </a:pPr>
+            <a:r>
+              <a:rPr lang="en-US" b="1" dirty="0" smtClean="0"/>
+              <a:t>Lingering</a:t>
+            </a:r>
+          </a:p>
+          <a:p>
+            <a:pPr marL="514350" indent="-514350">
+              <a:buFont typeface="+mj-lt"/>
+              <a:buAutoNum type="arabicPeriod"/>
+            </a:pPr>
+            <a:r>
+              <a:rPr lang="en-US" dirty="0" smtClean="0"/>
+              <a:t>Moving forward</a:t>
+            </a:r>
+            <a:endParaRPr lang="de-CH" dirty="0"/>
+          </a:p>
+        </p:txBody>
+      </p:sp>
+      <p:pic>
+        <p:nvPicPr>
+          <p:cNvPr id="4" name="Grafik 3"/>
+          <p:cNvPicPr>
+            <a:picLocks noChangeAspect="1"/>
+          </p:cNvPicPr>
+          <p:nvPr/>
+        </p:nvPicPr>
+        <p:blipFill>
+          <a:blip r:embed="rId2">
+            <a:extLst>
+              <a:ext uri="{28A0092B-C50C-407E-A947-70E740481C1C}">
+                <a14:useLocalDpi xmlns:a14="http://schemas.microsoft.com/office/drawing/2010/main" val="0"/>
+              </a:ext>
+            </a:extLst>
+          </a:blip>
+          <a:stretch>
+            <a:fillRect/>
+          </a:stretch>
+        </p:blipFill>
+        <p:spPr>
+          <a:xfrm>
+            <a:off x="372049" y="4673323"/>
+            <a:ext cx="8592440" cy="1088667"/>
+          </a:xfrm>
+          <a:prstGeom prst="rect">
+            <a:avLst/>
+          </a:prstGeom>
+        </p:spPr>
+      </p:pic>
+      <p:sp>
+        <p:nvSpPr>
+          <p:cNvPr id="5" name="Datumsplatzhalter 4"/>
+          <p:cNvSpPr>
+            <a:spLocks noGrp="1"/>
+          </p:cNvSpPr>
+          <p:nvPr>
+            <p:ph type="dt" sz="half" idx="10"/>
+          </p:nvPr>
+        </p:nvSpPr>
+        <p:spPr/>
+        <p:txBody>
+          <a:bodyPr/>
+          <a:lstStyle/>
+          <a:p>
+            <a:r>
+              <a:rPr lang="de-DE" smtClean="0"/>
+              <a:t>15.12.2014</a:t>
+            </a:r>
+            <a:endParaRPr lang="de-CH"/>
+          </a:p>
+        </p:txBody>
+      </p:sp>
+      <p:sp>
+        <p:nvSpPr>
+          <p:cNvPr id="6" name="Fußzeilenplatzhalter 5"/>
+          <p:cNvSpPr>
+            <a:spLocks noGrp="1"/>
+          </p:cNvSpPr>
+          <p:nvPr>
+            <p:ph type="ftr" sz="quarter" idx="12"/>
+          </p:nvPr>
+        </p:nvSpPr>
+        <p:spPr/>
+        <p:txBody>
+          <a:bodyPr/>
+          <a:lstStyle/>
+          <a:p>
+            <a:r>
+              <a:rPr lang="de-CH" smtClean="0"/>
+              <a:t>ETH Zürich - GESS</a:t>
+            </a:r>
+            <a:endParaRPr lang="de-CH"/>
+          </a:p>
+        </p:txBody>
+      </p:sp>
+      <p:sp>
+        <p:nvSpPr>
+          <p:cNvPr id="7" name="Foliennummernplatzhalter 6"/>
+          <p:cNvSpPr>
+            <a:spLocks noGrp="1"/>
+          </p:cNvSpPr>
+          <p:nvPr>
+            <p:ph type="sldNum" sz="quarter" idx="11"/>
+          </p:nvPr>
+        </p:nvSpPr>
+        <p:spPr/>
+        <p:txBody>
+          <a:bodyPr/>
+          <a:lstStyle/>
+          <a:p>
+            <a:fld id="{709AB744-4826-479B-8903-962B89629033}" type="slidenum">
+              <a:rPr lang="de-CH" smtClean="0"/>
+              <a:t>6</a:t>
+            </a:fld>
+            <a:endParaRPr lang="de-CH"/>
+          </a:p>
+        </p:txBody>
+      </p:sp>
+    </p:spTree>
+    <p:extLst>
+      <p:ext uri="{BB962C8B-B14F-4D97-AF65-F5344CB8AC3E}">
+        <p14:creationId xmlns:p14="http://schemas.microsoft.com/office/powerpoint/2010/main" val="773342746"/>
+      </p:ext>
+    </p:extLst>
+  </p:cSld>
+  <p:clrMapOvr>
+    <a:masterClrMapping/>
+  </p:clrMapOvr>
+  <p:transition spd="slow">
+    <p:fade/>
+  </p:transition>
+  <p:timing>
+    <p:tnLst>
+      <p:par>
+        <p:cTn id="1" dur="indefinite" restart="never" nodeType="tmRoot"/>
+      </p:par>
+    </p:tnLst>
+  </p:timing>
+</p:sld>
+</file>
+
+<file path=ppt/slides/slide7.xml><?xml version="1.0" encoding="utf-8"?>
+<p:sld xmlns:a="http://schemas.openxmlformats.org/drawingml/2006/main" xmlns:r="http://schemas.openxmlformats.org/officeDocument/2006/relationships" xmlns:p="http://schemas.openxmlformats.org/presentationml/2006/main">
+  <p:cSld>
+    <p:spTree>
+      <p:nvGrpSpPr>
+        <p:cNvPr id="1" name=""/>
+        <p:cNvGrpSpPr/>
+        <p:nvPr/>
+      </p:nvGrpSpPr>
+      <p:grpSpPr>
+        <a:xfrm>
+          <a:off x="0" y="0"/>
+          <a:ext cx="0" cy="0"/>
+          <a:chOff x="0" y="0"/>
+          <a:chExt cx="0" cy="0"/>
+        </a:xfrm>
+      </p:grpSpPr>
+      <p:sp>
+        <p:nvSpPr>
+          <p:cNvPr id="2" name="Titel 1"/>
+          <p:cNvSpPr>
+            <a:spLocks noGrp="1"/>
+          </p:cNvSpPr>
+          <p:nvPr>
+            <p:ph type="title"/>
+          </p:nvPr>
+        </p:nvSpPr>
+        <p:spPr/>
+        <p:txBody>
+          <a:bodyPr/>
+          <a:lstStyle/>
+          <a:p>
+            <a:r>
+              <a:rPr lang="de-CH" dirty="0" smtClean="0"/>
+              <a:t>Nagel-</a:t>
+            </a:r>
+            <a:r>
+              <a:rPr lang="de-CH" dirty="0" err="1" smtClean="0"/>
+              <a:t>Schreckenberg</a:t>
+            </a:r>
+            <a:r>
+              <a:rPr lang="de-CH" dirty="0" smtClean="0"/>
+              <a:t> </a:t>
+            </a:r>
+            <a:r>
+              <a:rPr lang="de-CH" dirty="0" err="1" smtClean="0"/>
+              <a:t>model</a:t>
+            </a:r>
+            <a:endParaRPr lang="de-CH" dirty="0"/>
+          </a:p>
+        </p:txBody>
+      </p:sp>
+      <p:sp>
+        <p:nvSpPr>
+          <p:cNvPr id="3" name="Inhaltsplatzhalter 2"/>
+          <p:cNvSpPr>
+            <a:spLocks noGrp="1"/>
+          </p:cNvSpPr>
+          <p:nvPr>
+            <p:ph idx="1"/>
+          </p:nvPr>
+        </p:nvSpPr>
+        <p:spPr/>
+        <p:txBody>
+          <a:bodyPr>
+            <a:normAutofit/>
+          </a:bodyPr>
+          <a:lstStyle/>
+          <a:p>
+            <a:pPr marL="514350" indent="-514350">
+              <a:buFont typeface="+mj-lt"/>
+              <a:buAutoNum type="arabicPeriod"/>
+            </a:pPr>
+            <a:r>
+              <a:rPr lang="en-US" dirty="0" smtClean="0"/>
+              <a:t>Acceleration</a:t>
+            </a:r>
+          </a:p>
+          <a:p>
+            <a:pPr marL="514350" indent="-514350">
+              <a:buFont typeface="+mj-lt"/>
+              <a:buAutoNum type="arabicPeriod"/>
+            </a:pPr>
+            <a:r>
+              <a:rPr lang="en-US" dirty="0" smtClean="0"/>
+              <a:t>Deceleration</a:t>
+            </a:r>
+          </a:p>
+          <a:p>
+            <a:pPr marL="514350" indent="-514350">
+              <a:buFont typeface="+mj-lt"/>
+              <a:buAutoNum type="arabicPeriod"/>
+            </a:pPr>
+            <a:r>
+              <a:rPr lang="en-US" dirty="0" smtClean="0"/>
+              <a:t>Lingering</a:t>
+            </a:r>
+          </a:p>
+          <a:p>
+            <a:pPr marL="514350" indent="-514350">
+              <a:buFont typeface="+mj-lt"/>
+              <a:buAutoNum type="arabicPeriod"/>
+            </a:pPr>
+            <a:r>
+              <a:rPr lang="en-US" b="1" dirty="0" smtClean="0"/>
+              <a:t>Moving forward</a:t>
+            </a:r>
+            <a:endParaRPr lang="de-CH" b="1" dirty="0"/>
+          </a:p>
+        </p:txBody>
+      </p:sp>
+      <p:pic>
+        <p:nvPicPr>
+          <p:cNvPr id="4" name="Grafik 3"/>
+          <p:cNvPicPr>
+            <a:picLocks noChangeAspect="1"/>
+          </p:cNvPicPr>
+          <p:nvPr/>
+        </p:nvPicPr>
+        <p:blipFill>
+          <a:blip r:embed="rId2">
+            <a:extLst>
+              <a:ext uri="{28A0092B-C50C-407E-A947-70E740481C1C}">
+                <a14:useLocalDpi xmlns:a14="http://schemas.microsoft.com/office/drawing/2010/main" val="0"/>
+              </a:ext>
+            </a:extLst>
+          </a:blip>
+          <a:stretch>
+            <a:fillRect/>
+          </a:stretch>
+        </p:blipFill>
+        <p:spPr>
+          <a:xfrm>
+            <a:off x="372049" y="4730116"/>
+            <a:ext cx="8592440" cy="975080"/>
+          </a:xfrm>
+          <a:prstGeom prst="rect">
+            <a:avLst/>
+          </a:prstGeom>
+        </p:spPr>
+      </p:pic>
+      <p:sp>
+        <p:nvSpPr>
+          <p:cNvPr id="5" name="Datumsplatzhalter 4"/>
+          <p:cNvSpPr>
+            <a:spLocks noGrp="1"/>
+          </p:cNvSpPr>
+          <p:nvPr>
+            <p:ph type="dt" sz="half" idx="10"/>
+          </p:nvPr>
+        </p:nvSpPr>
+        <p:spPr/>
+        <p:txBody>
+          <a:bodyPr/>
+          <a:lstStyle/>
+          <a:p>
+            <a:r>
+              <a:rPr lang="de-DE" smtClean="0"/>
+              <a:t>15.12.2014</a:t>
+            </a:r>
+            <a:endParaRPr lang="de-CH"/>
+          </a:p>
+        </p:txBody>
+      </p:sp>
+      <p:sp>
+        <p:nvSpPr>
+          <p:cNvPr id="6" name="Fußzeilenplatzhalter 5"/>
+          <p:cNvSpPr>
+            <a:spLocks noGrp="1"/>
+          </p:cNvSpPr>
+          <p:nvPr>
+            <p:ph type="ftr" sz="quarter" idx="12"/>
+          </p:nvPr>
+        </p:nvSpPr>
+        <p:spPr/>
+        <p:txBody>
+          <a:bodyPr/>
+          <a:lstStyle/>
+          <a:p>
+            <a:r>
+              <a:rPr lang="de-CH" smtClean="0"/>
+              <a:t>ETH Zürich - GESS</a:t>
+            </a:r>
+            <a:endParaRPr lang="de-CH"/>
+          </a:p>
+        </p:txBody>
+      </p:sp>
+      <p:sp>
+        <p:nvSpPr>
+          <p:cNvPr id="7" name="Foliennummernplatzhalter 6"/>
+          <p:cNvSpPr>
+            <a:spLocks noGrp="1"/>
+          </p:cNvSpPr>
+          <p:nvPr>
+            <p:ph type="sldNum" sz="quarter" idx="11"/>
+          </p:nvPr>
+        </p:nvSpPr>
+        <p:spPr/>
+        <p:txBody>
+          <a:bodyPr/>
+          <a:lstStyle/>
+          <a:p>
+            <a:fld id="{709AB744-4826-479B-8903-962B89629033}" type="slidenum">
+              <a:rPr lang="de-CH" smtClean="0"/>
+              <a:t>7</a:t>
+            </a:fld>
+            <a:endParaRPr lang="de-CH"/>
+          </a:p>
+        </p:txBody>
+      </p:sp>
+    </p:spTree>
+    <p:extLst>
+      <p:ext uri="{BB962C8B-B14F-4D97-AF65-F5344CB8AC3E}">
+        <p14:creationId xmlns:p14="http://schemas.microsoft.com/office/powerpoint/2010/main" val="773342746"/>
+      </p:ext>
+    </p:extLst>
+  </p:cSld>
+  <p:clrMapOvr>
+    <a:masterClrMapping/>
+  </p:clrMapOvr>
+  <p:transition spd="slow">
+    <p:fade/>
+  </p:transition>
+  <p:timing>
+    <p:tnLst>
+      <p:par>
+        <p:cTn id="1" dur="indefinite" restart="never" nodeType="tmRoot"/>
+      </p:par>
+    </p:tnLst>
+  </p:timing>
+</p:sld>
+</file>
+
+<file path=ppt/slides/slide8.xml><?xml version="1.0" encoding="utf-8"?>
+<p:sld xmlns:a="http://schemas.openxmlformats.org/drawingml/2006/main" xmlns:r="http://schemas.openxmlformats.org/officeDocument/2006/relationships" xmlns:p="http://schemas.openxmlformats.org/presentationml/2006/main">
+  <p:cSld>
+    <p:spTree>
+      <p:nvGrpSpPr>
+        <p:cNvPr id="1" name=""/>
+        <p:cNvGrpSpPr/>
+        <p:nvPr/>
+      </p:nvGrpSpPr>
+      <p:grpSpPr>
+        <a:xfrm>
+          <a:off x="0" y="0"/>
+          <a:ext cx="0" cy="0"/>
+          <a:chOff x="0" y="0"/>
+          <a:chExt cx="0" cy="0"/>
+        </a:xfrm>
+      </p:grpSpPr>
+      <p:sp>
+        <p:nvSpPr>
+          <p:cNvPr id="2" name="Titel 1"/>
+          <p:cNvSpPr>
+            <a:spLocks noGrp="1"/>
+          </p:cNvSpPr>
+          <p:nvPr>
+            <p:ph type="title"/>
+          </p:nvPr>
+        </p:nvSpPr>
+        <p:spPr/>
+        <p:txBody>
+          <a:bodyPr/>
+          <a:lstStyle/>
+          <a:p>
+            <a:r>
+              <a:rPr lang="de-CH" dirty="0" smtClean="0"/>
+              <a:t>Implementation</a:t>
+            </a:r>
+            <a:endParaRPr lang="de-CH" dirty="0"/>
+          </a:p>
+        </p:txBody>
+      </p:sp>
+      <p:sp>
+        <p:nvSpPr>
+          <p:cNvPr id="3" name="Inhaltsplatzhalter 2"/>
+          <p:cNvSpPr>
+            <a:spLocks noGrp="1"/>
+          </p:cNvSpPr>
+          <p:nvPr>
+            <p:ph idx="1"/>
+          </p:nvPr>
+        </p:nvSpPr>
+        <p:spPr/>
+        <p:txBody>
+          <a:bodyPr/>
+          <a:lstStyle/>
+          <a:p>
+            <a:r>
+              <a:rPr lang="en-GB" dirty="0" smtClean="0"/>
+              <a:t>Based on Nagel-</a:t>
+            </a:r>
+            <a:r>
+              <a:rPr lang="en-GB" dirty="0" err="1" smtClean="0"/>
+              <a:t>Schreckenberg</a:t>
+            </a:r>
+            <a:endParaRPr lang="en-GB" dirty="0" smtClean="0"/>
+          </a:p>
+          <a:p>
+            <a:pPr lvl="1"/>
+            <a:r>
+              <a:rPr lang="en-GB" dirty="0" smtClean="0"/>
+              <a:t>«move probability»</a:t>
+            </a:r>
+          </a:p>
+          <a:p>
+            <a:pPr lvl="1"/>
+            <a:r>
+              <a:rPr lang="en-GB" dirty="0" smtClean="0"/>
+              <a:t>«move correction»</a:t>
+            </a:r>
+          </a:p>
+          <a:p>
+            <a:r>
+              <a:rPr lang="en-GB" dirty="0" smtClean="0"/>
+              <a:t>Extensions:</a:t>
+            </a:r>
+          </a:p>
+          <a:p>
+            <a:pPr lvl="1"/>
+            <a:r>
+              <a:rPr lang="en-GB" dirty="0" smtClean="0"/>
+              <a:t>two lanes</a:t>
+            </a:r>
+            <a:endParaRPr lang="en-GB" dirty="0"/>
+          </a:p>
+          <a:p>
+            <a:pPr lvl="1"/>
+            <a:r>
+              <a:rPr lang="en-GB" dirty="0" smtClean="0"/>
+              <a:t>Lane change</a:t>
+            </a:r>
+          </a:p>
+          <a:p>
+            <a:pPr lvl="1"/>
+            <a:r>
+              <a:rPr lang="en-GB" dirty="0" smtClean="0"/>
+              <a:t>Red-light</a:t>
+            </a:r>
+          </a:p>
+          <a:p>
+            <a:pPr lvl="1"/>
+            <a:r>
+              <a:rPr lang="en-GB" dirty="0" smtClean="0"/>
+              <a:t>Congestion measurement</a:t>
+            </a:r>
+            <a:endParaRPr lang="en-GB" dirty="0"/>
+          </a:p>
+        </p:txBody>
+      </p:sp>
+      <p:sp>
+        <p:nvSpPr>
+          <p:cNvPr id="4" name="Datumsplatzhalter 3"/>
+          <p:cNvSpPr>
+            <a:spLocks noGrp="1"/>
+          </p:cNvSpPr>
+          <p:nvPr>
+            <p:ph type="dt" sz="half" idx="10"/>
+          </p:nvPr>
+        </p:nvSpPr>
+        <p:spPr/>
+        <p:txBody>
+          <a:bodyPr/>
+          <a:lstStyle/>
+          <a:p>
+            <a:r>
+              <a:rPr lang="de-DE" smtClean="0"/>
+              <a:t>15.12.2014</a:t>
+            </a:r>
+            <a:endParaRPr lang="de-CH"/>
+          </a:p>
+        </p:txBody>
+      </p:sp>
+      <p:sp>
+        <p:nvSpPr>
+          <p:cNvPr id="5" name="Fußzeilenplatzhalter 4"/>
+          <p:cNvSpPr>
+            <a:spLocks noGrp="1"/>
+          </p:cNvSpPr>
+          <p:nvPr>
+            <p:ph type="ftr" sz="quarter" idx="12"/>
+          </p:nvPr>
+        </p:nvSpPr>
+        <p:spPr/>
+        <p:txBody>
+          <a:bodyPr/>
+          <a:lstStyle/>
+          <a:p>
+            <a:r>
+              <a:rPr lang="de-CH" smtClean="0"/>
+              <a:t>ETH Zürich - GESS</a:t>
+            </a:r>
+            <a:endParaRPr lang="de-CH"/>
+          </a:p>
+        </p:txBody>
+      </p:sp>
+      <p:sp>
+        <p:nvSpPr>
+          <p:cNvPr id="6" name="Foliennummernplatzhalter 5"/>
+          <p:cNvSpPr>
+            <a:spLocks noGrp="1"/>
+          </p:cNvSpPr>
+          <p:nvPr>
+            <p:ph type="sldNum" sz="quarter" idx="11"/>
+          </p:nvPr>
+        </p:nvSpPr>
+        <p:spPr/>
+        <p:txBody>
+          <a:bodyPr/>
+          <a:lstStyle/>
+          <a:p>
+            <a:fld id="{709AB744-4826-479B-8903-962B89629033}" type="slidenum">
+              <a:rPr lang="de-CH" smtClean="0"/>
+              <a:t>8</a:t>
+            </a:fld>
+            <a:endParaRPr lang="de-CH"/>
+          </a:p>
+        </p:txBody>
+      </p:sp>
+    </p:spTree>
+    <p:extLst>
+      <p:ext uri="{BB962C8B-B14F-4D97-AF65-F5344CB8AC3E}">
+        <p14:creationId xmlns:p14="http://schemas.microsoft.com/office/powerpoint/2010/main" val="3735708455"/>
+      </p:ext>
+    </p:extLst>
+  </p:cSld>
+  <p:clrMapOvr>
+    <a:masterClrMapping/>
+  </p:clrMapOvr>
+  <p:transition spd="slow">
+    <p:fade/>
+  </p:transition>
+  <p:timing>
+    <p:tnLst>
+      <p:par>
+        <p:cTn id="1" dur="indefinite" restart="never" nodeType="tmRoot"/>
+      </p:par>
+    </p:tnLst>
+  </p:timing>
+</p:sld>
+</file>
+
+<file path=ppt/slides/slide9.xml><?xml version="1.0" encoding="utf-8"?>
 <p:sld xmlns:a="http://schemas.openxmlformats.org/drawingml/2006/main" xmlns:r="http://schemas.openxmlformats.org/officeDocument/2006/relationships" xmlns:p="http://schemas.openxmlformats.org/presentationml/2006/main">
   <p:cSld>
     <p:spTree>
@@ -6122,7 +7724,7 @@
           <a:p>
             <a:fld id="{709AB744-4826-479B-8903-962B89629033}" type="slidenum">
               <a:rPr lang="de-CH" smtClean="0"/>
-              <a:t>6</a:t>
+              <a:t>9</a:t>
             </a:fld>
             <a:endParaRPr lang="de-CH"/>
           </a:p>
@@ -6132,505 +7734,6 @@
     <p:extLst>
       <p:ext uri="{BB962C8B-B14F-4D97-AF65-F5344CB8AC3E}">
         <p14:creationId xmlns:p14="http://schemas.microsoft.com/office/powerpoint/2010/main" val="810637189"/>
-      </p:ext>
-    </p:extLst>
-  </p:cSld>
-  <p:clrMapOvr>
-    <a:masterClrMapping/>
-  </p:clrMapOvr>
-  <p:transition spd="slow">
-    <p:fade/>
-  </p:transition>
-  <p:timing>
-    <p:tnLst>
-      <p:par>
-        <p:cTn id="1" dur="indefinite" restart="never" nodeType="tmRoot"/>
-      </p:par>
-    </p:tnLst>
-  </p:timing>
-</p:sld>
-</file>
-
-<file path=ppt/slides/slide7.xml><?xml version="1.0" encoding="utf-8"?>
-<p:sld xmlns:a="http://schemas.openxmlformats.org/drawingml/2006/main" xmlns:r="http://schemas.openxmlformats.org/officeDocument/2006/relationships" xmlns:p="http://schemas.openxmlformats.org/presentationml/2006/main">
-  <p:cSld>
-    <p:spTree>
-      <p:nvGrpSpPr>
-        <p:cNvPr id="1" name=""/>
-        <p:cNvGrpSpPr/>
-        <p:nvPr/>
-      </p:nvGrpSpPr>
-      <p:grpSpPr>
-        <a:xfrm>
-          <a:off x="0" y="0"/>
-          <a:ext cx="0" cy="0"/>
-          <a:chOff x="0" y="0"/>
-          <a:chExt cx="0" cy="0"/>
-        </a:xfrm>
-      </p:grpSpPr>
-      <p:sp>
-        <p:nvSpPr>
-          <p:cNvPr id="2" name="Titel 1"/>
-          <p:cNvSpPr>
-            <a:spLocks noGrp="1"/>
-          </p:cNvSpPr>
-          <p:nvPr>
-            <p:ph type="title"/>
-          </p:nvPr>
-        </p:nvSpPr>
-        <p:spPr/>
-        <p:txBody>
-          <a:bodyPr/>
-          <a:lstStyle/>
-          <a:p>
-            <a:r>
-              <a:rPr lang="de-CH" dirty="0" smtClean="0"/>
-              <a:t>Model-Training: </a:t>
-            </a:r>
-            <a:r>
-              <a:rPr lang="de-CH" dirty="0" err="1" smtClean="0"/>
-              <a:t>processing</a:t>
-            </a:r>
-            <a:r>
-              <a:rPr lang="de-CH" dirty="0" smtClean="0"/>
-              <a:t> Dataset</a:t>
-            </a:r>
-            <a:endParaRPr lang="de-CH" dirty="0"/>
-          </a:p>
-        </p:txBody>
-      </p:sp>
-      <p:pic>
-        <p:nvPicPr>
-          <p:cNvPr id="4" name="Inhaltsplatzhalter 3"/>
-          <p:cNvPicPr>
-            <a:picLocks noGrp="1" noChangeAspect="1"/>
-          </p:cNvPicPr>
-          <p:nvPr>
-            <p:ph idx="1"/>
-          </p:nvPr>
-        </p:nvPicPr>
-        <p:blipFill>
-          <a:blip r:embed="rId2">
-            <a:extLst>
-              <a:ext uri="{28A0092B-C50C-407E-A947-70E740481C1C}">
-                <a14:useLocalDpi xmlns:a14="http://schemas.microsoft.com/office/drawing/2010/main" val="0"/>
-              </a:ext>
-            </a:extLst>
-          </a:blip>
-          <a:stretch>
-            <a:fillRect/>
-          </a:stretch>
-        </p:blipFill>
-        <p:spPr>
-          <a:xfrm>
-            <a:off x="1742881" y="1751013"/>
-            <a:ext cx="5658238" cy="4678362"/>
-          </a:xfrm>
-        </p:spPr>
-      </p:pic>
-      <p:sp>
-        <p:nvSpPr>
-          <p:cNvPr id="3" name="Datumsplatzhalter 2"/>
-          <p:cNvSpPr>
-            <a:spLocks noGrp="1"/>
-          </p:cNvSpPr>
-          <p:nvPr>
-            <p:ph type="dt" sz="half" idx="10"/>
-          </p:nvPr>
-        </p:nvSpPr>
-        <p:spPr/>
-        <p:txBody>
-          <a:bodyPr/>
-          <a:lstStyle/>
-          <a:p>
-            <a:r>
-              <a:rPr lang="de-DE" smtClean="0"/>
-              <a:t>15.12.2014</a:t>
-            </a:r>
-            <a:endParaRPr lang="de-CH"/>
-          </a:p>
-        </p:txBody>
-      </p:sp>
-      <p:sp>
-        <p:nvSpPr>
-          <p:cNvPr id="5" name="Fußzeilenplatzhalter 4"/>
-          <p:cNvSpPr>
-            <a:spLocks noGrp="1"/>
-          </p:cNvSpPr>
-          <p:nvPr>
-            <p:ph type="ftr" sz="quarter" idx="12"/>
-          </p:nvPr>
-        </p:nvSpPr>
-        <p:spPr/>
-        <p:txBody>
-          <a:bodyPr/>
-          <a:lstStyle/>
-          <a:p>
-            <a:r>
-              <a:rPr lang="de-CH" smtClean="0"/>
-              <a:t>ETH Zürich - GESS</a:t>
-            </a:r>
-            <a:endParaRPr lang="de-CH"/>
-          </a:p>
-        </p:txBody>
-      </p:sp>
-      <p:sp>
-        <p:nvSpPr>
-          <p:cNvPr id="6" name="Foliennummernplatzhalter 5"/>
-          <p:cNvSpPr>
-            <a:spLocks noGrp="1"/>
-          </p:cNvSpPr>
-          <p:nvPr>
-            <p:ph type="sldNum" sz="quarter" idx="11"/>
-          </p:nvPr>
-        </p:nvSpPr>
-        <p:spPr/>
-        <p:txBody>
-          <a:bodyPr/>
-          <a:lstStyle/>
-          <a:p>
-            <a:fld id="{709AB744-4826-479B-8903-962B89629033}" type="slidenum">
-              <a:rPr lang="de-CH" smtClean="0"/>
-              <a:t>7</a:t>
-            </a:fld>
-            <a:endParaRPr lang="de-CH"/>
-          </a:p>
-        </p:txBody>
-      </p:sp>
-    </p:spTree>
-    <p:extLst>
-      <p:ext uri="{BB962C8B-B14F-4D97-AF65-F5344CB8AC3E}">
-        <p14:creationId xmlns:p14="http://schemas.microsoft.com/office/powerpoint/2010/main" val="3494651352"/>
-      </p:ext>
-    </p:extLst>
-  </p:cSld>
-  <p:clrMapOvr>
-    <a:masterClrMapping/>
-  </p:clrMapOvr>
-  <p:transition spd="slow">
-    <p:fade/>
-  </p:transition>
-  <p:timing>
-    <p:tnLst>
-      <p:par>
-        <p:cTn id="1" dur="indefinite" restart="never" nodeType="tmRoot"/>
-      </p:par>
-    </p:tnLst>
-  </p:timing>
-</p:sld>
-</file>
-
-<file path=ppt/slides/slide8.xml><?xml version="1.0" encoding="utf-8"?>
-<p:sld xmlns:a="http://schemas.openxmlformats.org/drawingml/2006/main" xmlns:r="http://schemas.openxmlformats.org/officeDocument/2006/relationships" xmlns:p="http://schemas.openxmlformats.org/presentationml/2006/main">
-  <p:cSld>
-    <p:spTree>
-      <p:nvGrpSpPr>
-        <p:cNvPr id="1" name=""/>
-        <p:cNvGrpSpPr/>
-        <p:nvPr/>
-      </p:nvGrpSpPr>
-      <p:grpSpPr>
-        <a:xfrm>
-          <a:off x="0" y="0"/>
-          <a:ext cx="0" cy="0"/>
-          <a:chOff x="0" y="0"/>
-          <a:chExt cx="0" cy="0"/>
-        </a:xfrm>
-      </p:grpSpPr>
-      <p:sp>
-        <p:nvSpPr>
-          <p:cNvPr id="2" name="Titel 1"/>
-          <p:cNvSpPr>
-            <a:spLocks noGrp="1"/>
-          </p:cNvSpPr>
-          <p:nvPr>
-            <p:ph type="title"/>
-          </p:nvPr>
-        </p:nvSpPr>
-        <p:spPr/>
-        <p:txBody>
-          <a:bodyPr/>
-          <a:lstStyle/>
-          <a:p>
-            <a:r>
-              <a:rPr lang="de-CH" dirty="0" err="1" smtClean="0"/>
-              <a:t>Result</a:t>
-            </a:r>
-            <a:r>
-              <a:rPr lang="de-CH" dirty="0" smtClean="0"/>
-              <a:t>: Dataset 3</a:t>
-            </a:r>
-            <a:endParaRPr lang="de-CH" dirty="0"/>
-          </a:p>
-        </p:txBody>
-      </p:sp>
-      <p:pic>
-        <p:nvPicPr>
-          <p:cNvPr id="4" name="Inhaltsplatzhalter 3"/>
-          <p:cNvPicPr>
-            <a:picLocks noGrp="1" noChangeAspect="1"/>
-          </p:cNvPicPr>
-          <p:nvPr>
-            <p:ph idx="1"/>
-          </p:nvPr>
-        </p:nvPicPr>
-        <p:blipFill>
-          <a:blip r:embed="rId2">
-            <a:extLst>
-              <a:ext uri="{28A0092B-C50C-407E-A947-70E740481C1C}">
-                <a14:useLocalDpi xmlns:a14="http://schemas.microsoft.com/office/drawing/2010/main" val="0"/>
-              </a:ext>
-            </a:extLst>
-          </a:blip>
-          <a:stretch>
-            <a:fillRect/>
-          </a:stretch>
-        </p:blipFill>
-        <p:spPr>
-          <a:xfrm>
-            <a:off x="752556" y="1751013"/>
-            <a:ext cx="7638888" cy="4678362"/>
-          </a:xfrm>
-        </p:spPr>
-      </p:pic>
-      <p:sp>
-        <p:nvSpPr>
-          <p:cNvPr id="5" name="Datumsplatzhalter 4"/>
-          <p:cNvSpPr>
-            <a:spLocks noGrp="1"/>
-          </p:cNvSpPr>
-          <p:nvPr>
-            <p:ph type="dt" sz="half" idx="10"/>
-          </p:nvPr>
-        </p:nvSpPr>
-        <p:spPr/>
-        <p:txBody>
-          <a:bodyPr/>
-          <a:lstStyle/>
-          <a:p>
-            <a:r>
-              <a:rPr lang="de-DE" smtClean="0"/>
-              <a:t>15.12.2014</a:t>
-            </a:r>
-            <a:endParaRPr lang="de-CH"/>
-          </a:p>
-        </p:txBody>
-      </p:sp>
-      <p:sp>
-        <p:nvSpPr>
-          <p:cNvPr id="6" name="Fußzeilenplatzhalter 5"/>
-          <p:cNvSpPr>
-            <a:spLocks noGrp="1"/>
-          </p:cNvSpPr>
-          <p:nvPr>
-            <p:ph type="ftr" sz="quarter" idx="12"/>
-          </p:nvPr>
-        </p:nvSpPr>
-        <p:spPr/>
-        <p:txBody>
-          <a:bodyPr/>
-          <a:lstStyle/>
-          <a:p>
-            <a:r>
-              <a:rPr lang="de-CH" smtClean="0"/>
-              <a:t>ETH Zürich - GESS</a:t>
-            </a:r>
-            <a:endParaRPr lang="de-CH"/>
-          </a:p>
-        </p:txBody>
-      </p:sp>
-      <p:sp>
-        <p:nvSpPr>
-          <p:cNvPr id="7" name="Foliennummernplatzhalter 6"/>
-          <p:cNvSpPr>
-            <a:spLocks noGrp="1"/>
-          </p:cNvSpPr>
-          <p:nvPr>
-            <p:ph type="sldNum" sz="quarter" idx="11"/>
-          </p:nvPr>
-        </p:nvSpPr>
-        <p:spPr/>
-        <p:txBody>
-          <a:bodyPr/>
-          <a:lstStyle/>
-          <a:p>
-            <a:fld id="{709AB744-4826-479B-8903-962B89629033}" type="slidenum">
-              <a:rPr lang="de-CH" smtClean="0"/>
-              <a:t>8</a:t>
-            </a:fld>
-            <a:endParaRPr lang="de-CH"/>
-          </a:p>
-        </p:txBody>
-      </p:sp>
-    </p:spTree>
-    <p:extLst>
-      <p:ext uri="{BB962C8B-B14F-4D97-AF65-F5344CB8AC3E}">
-        <p14:creationId xmlns:p14="http://schemas.microsoft.com/office/powerpoint/2010/main" val="3338124312"/>
-      </p:ext>
-    </p:extLst>
-  </p:cSld>
-  <p:clrMapOvr>
-    <a:masterClrMapping/>
-  </p:clrMapOvr>
-  <p:transition spd="slow">
-    <p:fade/>
-  </p:transition>
-  <p:timing>
-    <p:tnLst>
-      <p:par>
-        <p:cTn id="1" dur="indefinite" restart="never" nodeType="tmRoot"/>
-      </p:par>
-    </p:tnLst>
-  </p:timing>
-</p:sld>
-</file>
-
-<file path=ppt/slides/slide9.xml><?xml version="1.0" encoding="utf-8"?>
-<p:sld xmlns:a="http://schemas.openxmlformats.org/drawingml/2006/main" xmlns:r="http://schemas.openxmlformats.org/officeDocument/2006/relationships" xmlns:p="http://schemas.openxmlformats.org/presentationml/2006/main">
-  <p:cSld>
-    <p:spTree>
-      <p:nvGrpSpPr>
-        <p:cNvPr id="1" name=""/>
-        <p:cNvGrpSpPr/>
-        <p:nvPr/>
-      </p:nvGrpSpPr>
-      <p:grpSpPr>
-        <a:xfrm>
-          <a:off x="0" y="0"/>
-          <a:ext cx="0" cy="0"/>
-          <a:chOff x="0" y="0"/>
-          <a:chExt cx="0" cy="0"/>
-        </a:xfrm>
-      </p:grpSpPr>
-      <p:sp>
-        <p:nvSpPr>
-          <p:cNvPr id="2" name="Titel 1"/>
-          <p:cNvSpPr>
-            <a:spLocks noGrp="1"/>
-          </p:cNvSpPr>
-          <p:nvPr>
-            <p:ph type="title"/>
-          </p:nvPr>
-        </p:nvSpPr>
-        <p:spPr/>
-        <p:txBody>
-          <a:bodyPr/>
-          <a:lstStyle/>
-          <a:p>
-            <a:r>
-              <a:rPr lang="de-CH" dirty="0" err="1" smtClean="0"/>
-              <a:t>Result</a:t>
-            </a:r>
-            <a:r>
-              <a:rPr lang="de-CH" dirty="0" smtClean="0"/>
-              <a:t>: Dataset 4</a:t>
-            </a:r>
-            <a:endParaRPr lang="de-CH" dirty="0"/>
-          </a:p>
-        </p:txBody>
-      </p:sp>
-      <p:pic>
-        <p:nvPicPr>
-          <p:cNvPr id="4" name="Inhaltsplatzhalter 3"/>
-          <p:cNvPicPr>
-            <a:picLocks noGrp="1" noChangeAspect="1"/>
-          </p:cNvPicPr>
-          <p:nvPr>
-            <p:ph idx="1"/>
-          </p:nvPr>
-        </p:nvPicPr>
-        <p:blipFill>
-          <a:blip r:embed="rId2">
-            <a:extLst>
-              <a:ext uri="{28A0092B-C50C-407E-A947-70E740481C1C}">
-                <a14:useLocalDpi xmlns:a14="http://schemas.microsoft.com/office/drawing/2010/main" val="0"/>
-              </a:ext>
-            </a:extLst>
-          </a:blip>
-          <a:stretch>
-            <a:fillRect/>
-          </a:stretch>
-        </p:blipFill>
-        <p:spPr>
-          <a:xfrm>
-            <a:off x="896144" y="1751013"/>
-            <a:ext cx="7351711" cy="4678362"/>
-          </a:xfrm>
-        </p:spPr>
-      </p:pic>
-      <p:sp>
-        <p:nvSpPr>
-          <p:cNvPr id="5" name="Datumsplatzhalter 4"/>
-          <p:cNvSpPr>
-            <a:spLocks noGrp="1"/>
-          </p:cNvSpPr>
-          <p:nvPr>
-            <p:ph type="dt" sz="half" idx="10"/>
-          </p:nvPr>
-        </p:nvSpPr>
-        <p:spPr/>
-        <p:txBody>
-          <a:bodyPr/>
-          <a:lstStyle/>
-          <a:p>
-            <a:r>
-              <a:rPr lang="de-DE" smtClean="0"/>
-              <a:t>15.12.2014</a:t>
-            </a:r>
-            <a:endParaRPr lang="de-CH"/>
-          </a:p>
-        </p:txBody>
-      </p:sp>
-      <p:sp>
-        <p:nvSpPr>
-          <p:cNvPr id="6" name="Fußzeilenplatzhalter 5"/>
-          <p:cNvSpPr>
-            <a:spLocks noGrp="1"/>
-          </p:cNvSpPr>
-          <p:nvPr>
-            <p:ph type="ftr" sz="quarter" idx="12"/>
-          </p:nvPr>
-        </p:nvSpPr>
-        <p:spPr/>
-        <p:txBody>
-          <a:bodyPr/>
-          <a:lstStyle/>
-          <a:p>
-            <a:r>
-              <a:rPr lang="de-CH" smtClean="0"/>
-              <a:t>ETH Zürich - GESS</a:t>
-            </a:r>
-            <a:endParaRPr lang="de-CH"/>
-          </a:p>
-        </p:txBody>
-      </p:sp>
-      <p:sp>
-        <p:nvSpPr>
-          <p:cNvPr id="7" name="Foliennummernplatzhalter 6"/>
-          <p:cNvSpPr>
-            <a:spLocks noGrp="1"/>
-          </p:cNvSpPr>
-          <p:nvPr>
-            <p:ph type="sldNum" sz="quarter" idx="11"/>
-          </p:nvPr>
-        </p:nvSpPr>
-        <p:spPr/>
-        <p:txBody>
-          <a:bodyPr/>
-          <a:lstStyle/>
-          <a:p>
-            <a:fld id="{709AB744-4826-479B-8903-962B89629033}" type="slidenum">
-              <a:rPr lang="de-CH" smtClean="0"/>
-              <a:t>9</a:t>
-            </a:fld>
-            <a:endParaRPr lang="de-CH"/>
-          </a:p>
-        </p:txBody>
-      </p:sp>
-    </p:spTree>
-    <p:extLst>
-      <p:ext uri="{BB962C8B-B14F-4D97-AF65-F5344CB8AC3E}">
-        <p14:creationId xmlns:p14="http://schemas.microsoft.com/office/powerpoint/2010/main" val="3588806710"/>
       </p:ext>
     </p:extLst>
   </p:cSld>

--- a/presentation/Presentation.pptx
+++ b/presentation/Presentation.pptx
@@ -4681,6 +4681,50 @@
               <a:t>12</a:t>
             </a:fld>
             <a:endParaRPr lang="de-CH"/>
+          </a:p>
+        </p:txBody>
+      </p:sp>
+      <p:sp>
+        <p:nvSpPr>
+          <p:cNvPr id="8" name="Textfeld 7"/>
+          <p:cNvSpPr txBox="1"/>
+          <p:nvPr/>
+        </p:nvSpPr>
+        <p:spPr>
+          <a:xfrm>
+            <a:off x="1619672" y="2636912"/>
+            <a:ext cx="2592288" cy="707886"/>
+          </a:xfrm>
+          <a:prstGeom prst="rect">
+            <a:avLst/>
+          </a:prstGeom>
+          <a:noFill/>
+        </p:spPr>
+        <p:txBody>
+          <a:bodyPr wrap="square" rtlCol="0">
+            <a:spAutoFit/>
+          </a:bodyPr>
+          <a:lstStyle/>
+          <a:p>
+            <a:r>
+              <a:rPr lang="de-CH" sz="2000" dirty="0" err="1" smtClean="0"/>
+              <a:t>precision</a:t>
+            </a:r>
+            <a:r>
+              <a:rPr lang="de-CH" sz="2000" dirty="0" smtClean="0"/>
+              <a:t>:  0.65</a:t>
+            </a:r>
+          </a:p>
+          <a:p>
+            <a:r>
+              <a:rPr lang="de-CH" sz="2000" dirty="0" err="1" smtClean="0"/>
+              <a:t>prediction</a:t>
+            </a:r>
+            <a:r>
+              <a:rPr lang="de-CH" sz="2000" dirty="0" smtClean="0"/>
+              <a:t>: 0.77</a:t>
+            </a:r>
+            <a:endParaRPr lang="de-CH" sz="2000" dirty="0"/>
           </a:p>
         </p:txBody>
       </p:sp>

--- a/presentation/Presentation.pptx
+++ b/presentation/Presentation.pptx
@@ -5,7 +5,7 @@
     <p:sldMasterId id="2147483660" r:id="rId1"/>
   </p:sldMasterIdLst>
   <p:notesMasterIdLst>
-    <p:notesMasterId r:id="rId17"/>
+    <p:notesMasterId r:id="rId19"/>
   </p:notesMasterIdLst>
   <p:sldIdLst>
     <p:sldId id="256" r:id="rId2"/>
@@ -22,7 +22,9 @@
     <p:sldId id="270" r:id="rId13"/>
     <p:sldId id="264" r:id="rId14"/>
     <p:sldId id="265" r:id="rId15"/>
-    <p:sldId id="257" r:id="rId16"/>
+    <p:sldId id="272" r:id="rId16"/>
+    <p:sldId id="257" r:id="rId17"/>
+    <p:sldId id="271" r:id="rId18"/>
   </p:sldIdLst>
   <p:sldSz cx="9144000" cy="6858000" type="screen4x3"/>
   <p:notesSz cx="6858000" cy="9144000"/>
@@ -5114,6 +5116,219 @@
           <a:lstStyle/>
           <a:p>
             <a:r>
+              <a:rPr lang="de-CH" dirty="0" smtClean="0"/>
+              <a:t>«Training Dataset» </a:t>
+            </a:r>
+            <a:r>
+              <a:rPr lang="de-CH" dirty="0" err="1" smtClean="0"/>
+              <a:t>over</a:t>
+            </a:r>
+            <a:r>
+              <a:rPr lang="de-CH" dirty="0" smtClean="0"/>
+              <a:t> 24h</a:t>
+            </a:r>
+            <a:endParaRPr lang="de-CH" dirty="0"/>
+          </a:p>
+        </p:txBody>
+      </p:sp>
+      <p:pic>
+        <p:nvPicPr>
+          <p:cNvPr id="4" name="Inhaltsplatzhalter 3"/>
+          <p:cNvPicPr>
+            <a:picLocks noGrp="1" noChangeAspect="1"/>
+          </p:cNvPicPr>
+          <p:nvPr>
+            <p:ph idx="1"/>
+          </p:nvPr>
+        </p:nvPicPr>
+        <p:blipFill>
+          <a:blip r:embed="rId2">
+            <a:extLst>
+              <a:ext uri="{28A0092B-C50C-407E-A947-70E740481C1C}">
+                <a14:useLocalDpi xmlns:a14="http://schemas.microsoft.com/office/drawing/2010/main" val="0"/>
+              </a:ext>
+            </a:extLst>
+          </a:blip>
+          <a:stretch>
+            <a:fillRect/>
+          </a:stretch>
+        </p:blipFill>
+        <p:spPr>
+          <a:xfrm>
+            <a:off x="-449242" y="1556792"/>
+            <a:ext cx="10042484" cy="5066804"/>
+          </a:xfrm>
+        </p:spPr>
+      </p:pic>
+      <p:sp>
+        <p:nvSpPr>
+          <p:cNvPr id="3" name="Datumsplatzhalter 2"/>
+          <p:cNvSpPr>
+            <a:spLocks noGrp="1"/>
+          </p:cNvSpPr>
+          <p:nvPr>
+            <p:ph type="dt" sz="half" idx="10"/>
+          </p:nvPr>
+        </p:nvSpPr>
+        <p:spPr/>
+        <p:txBody>
+          <a:bodyPr/>
+          <a:lstStyle/>
+          <a:p>
+            <a:r>
+              <a:rPr lang="de-DE" smtClean="0"/>
+              <a:t>15.12.2014</a:t>
+            </a:r>
+            <a:endParaRPr lang="de-CH"/>
+          </a:p>
+        </p:txBody>
+      </p:sp>
+      <p:sp>
+        <p:nvSpPr>
+          <p:cNvPr id="5" name="Fußzeilenplatzhalter 4"/>
+          <p:cNvSpPr>
+            <a:spLocks noGrp="1"/>
+          </p:cNvSpPr>
+          <p:nvPr>
+            <p:ph type="ftr" sz="quarter" idx="12"/>
+          </p:nvPr>
+        </p:nvSpPr>
+        <p:spPr/>
+        <p:txBody>
+          <a:bodyPr/>
+          <a:lstStyle/>
+          <a:p>
+            <a:r>
+              <a:rPr lang="de-CH" smtClean="0"/>
+              <a:t>ETH Zürich - GESS</a:t>
+            </a:r>
+            <a:endParaRPr lang="de-CH"/>
+          </a:p>
+        </p:txBody>
+      </p:sp>
+      <p:sp>
+        <p:nvSpPr>
+          <p:cNvPr id="6" name="Foliennummernplatzhalter 5"/>
+          <p:cNvSpPr>
+            <a:spLocks noGrp="1"/>
+          </p:cNvSpPr>
+          <p:nvPr>
+            <p:ph type="sldNum" sz="quarter" idx="11"/>
+          </p:nvPr>
+        </p:nvSpPr>
+        <p:spPr/>
+        <p:txBody>
+          <a:bodyPr/>
+          <a:lstStyle/>
+          <a:p>
+            <a:fld id="{709AB744-4826-479B-8903-962B89629033}" type="slidenum">
+              <a:rPr lang="de-CH" smtClean="0"/>
+              <a:t>15</a:t>
+            </a:fld>
+            <a:endParaRPr lang="de-CH"/>
+          </a:p>
+        </p:txBody>
+      </p:sp>
+      <p:sp>
+        <p:nvSpPr>
+          <p:cNvPr id="8" name="Textfeld 7"/>
+          <p:cNvSpPr txBox="1"/>
+          <p:nvPr/>
+        </p:nvSpPr>
+        <p:spPr>
+          <a:xfrm>
+            <a:off x="1619672" y="2636912"/>
+            <a:ext cx="2592288" cy="707886"/>
+          </a:xfrm>
+          <a:prstGeom prst="rect">
+            <a:avLst/>
+          </a:prstGeom>
+          <a:noFill/>
+        </p:spPr>
+        <p:txBody>
+          <a:bodyPr wrap="square" rtlCol="0">
+            <a:spAutoFit/>
+          </a:bodyPr>
+          <a:lstStyle/>
+          <a:p>
+            <a:r>
+              <a:rPr lang="de-CH" sz="2000" dirty="0" err="1" smtClean="0"/>
+              <a:t>precision</a:t>
+            </a:r>
+            <a:r>
+              <a:rPr lang="de-CH" sz="2000" dirty="0" smtClean="0"/>
+              <a:t>:  0.65</a:t>
+            </a:r>
+          </a:p>
+          <a:p>
+            <a:r>
+              <a:rPr lang="de-CH" sz="2000" dirty="0" err="1" smtClean="0"/>
+              <a:t>prediction</a:t>
+            </a:r>
+            <a:r>
+              <a:rPr lang="de-CH" sz="2000" dirty="0" smtClean="0"/>
+              <a:t>: 0.77</a:t>
+            </a:r>
+            <a:endParaRPr lang="de-CH" sz="2000" dirty="0"/>
+          </a:p>
+        </p:txBody>
+      </p:sp>
+    </p:spTree>
+    <p:extLst>
+      <p:ext uri="{BB962C8B-B14F-4D97-AF65-F5344CB8AC3E}">
+        <p14:creationId xmlns:p14="http://schemas.microsoft.com/office/powerpoint/2010/main" val="1688340986"/>
+      </p:ext>
+    </p:extLst>
+  </p:cSld>
+  <p:clrMapOvr>
+    <a:masterClrMapping/>
+  </p:clrMapOvr>
+  <p:transition spd="slow">
+    <p:fade/>
+  </p:transition>
+  <p:timing>
+    <p:tnLst>
+      <p:par>
+        <p:cTn id="1" dur="indefinite" restart="never" nodeType="tmRoot"/>
+      </p:par>
+    </p:tnLst>
+  </p:timing>
+</p:sld>
+</file>
+
+<file path=ppt/slides/slide16.xml><?xml version="1.0" encoding="utf-8"?>
+<p:sld xmlns:a="http://schemas.openxmlformats.org/drawingml/2006/main" xmlns:r="http://schemas.openxmlformats.org/officeDocument/2006/relationships" xmlns:p="http://schemas.openxmlformats.org/presentationml/2006/main">
+  <p:cSld>
+    <p:spTree>
+      <p:nvGrpSpPr>
+        <p:cNvPr id="1" name=""/>
+        <p:cNvGrpSpPr/>
+        <p:nvPr/>
+      </p:nvGrpSpPr>
+      <p:grpSpPr>
+        <a:xfrm>
+          <a:off x="0" y="0"/>
+          <a:ext cx="0" cy="0"/>
+          <a:chOff x="0" y="0"/>
+          <a:chExt cx="0" cy="0"/>
+        </a:xfrm>
+      </p:grpSpPr>
+      <p:sp>
+        <p:nvSpPr>
+          <p:cNvPr id="2" name="Titel 1"/>
+          <p:cNvSpPr>
+            <a:spLocks noGrp="1"/>
+          </p:cNvSpPr>
+          <p:nvPr>
+            <p:ph type="title"/>
+          </p:nvPr>
+        </p:nvSpPr>
+        <p:spPr/>
+        <p:txBody>
+          <a:bodyPr/>
+          <a:lstStyle/>
+          <a:p>
+            <a:r>
               <a:rPr lang="de-CH" dirty="0" err="1" smtClean="0"/>
               <a:t>Inflow</a:t>
             </a:r>
@@ -5180,7 +5395,7 @@
         <p:blipFill>
           <a:blip r:embed="rId3">
             <a:duotone>
-              <a:schemeClr val="accent2">
+              <a:schemeClr val="accent6">
                 <a:shade val="45000"/>
                 <a:satMod val="135000"/>
               </a:schemeClr>
@@ -5208,46 +5423,6 @@
       </p:pic>
       <p:sp>
         <p:nvSpPr>
-          <p:cNvPr id="9" name="Rechteck 8"/>
-          <p:cNvSpPr/>
-          <p:nvPr/>
-        </p:nvSpPr>
-        <p:spPr>
-          <a:xfrm>
-            <a:off x="5652120" y="2204864"/>
-            <a:ext cx="360040" cy="288032"/>
-          </a:xfrm>
-          <a:prstGeom prst="rect">
-            <a:avLst/>
-          </a:prstGeom>
-        </p:spPr>
-        <p:style>
-          <a:lnRef idx="2">
-            <a:schemeClr val="accent1">
-              <a:shade val="50000"/>
-            </a:schemeClr>
-          </a:lnRef>
-          <a:fillRef idx="1">
-            <a:schemeClr val="accent1"/>
-          </a:fillRef>
-          <a:effectRef idx="0">
-            <a:schemeClr val="accent1"/>
-          </a:effectRef>
-          <a:fontRef idx="minor">
-            <a:schemeClr val="lt1"/>
-          </a:fontRef>
-        </p:style>
-        <p:txBody>
-          <a:bodyPr rtlCol="0" anchor="ctr"/>
-          <a:lstStyle/>
-          <a:p>
-            <a:pPr algn="ctr"/>
-            <a:endParaRPr lang="de-CH"/>
-          </a:p>
-        </p:txBody>
-      </p:sp>
-      <p:sp>
-        <p:nvSpPr>
           <p:cNvPr id="10" name="Textfeld 9"/>
           <p:cNvSpPr txBox="1"/>
           <p:nvPr/>
@@ -5293,6 +5468,160 @@
         <p:spPr>
           <a:xfrm>
             <a:off x="5652120" y="2668270"/>
+            <a:ext cx="360040" cy="288032"/>
+          </a:xfrm>
+          <a:prstGeom prst="rect">
+            <a:avLst/>
+          </a:prstGeom>
+          <a:solidFill>
+            <a:srgbClr val="C00000"/>
+          </a:solidFill>
+        </p:spPr>
+        <p:style>
+          <a:lnRef idx="2">
+            <a:schemeClr val="accent2">
+              <a:shade val="50000"/>
+            </a:schemeClr>
+          </a:lnRef>
+          <a:fillRef idx="1">
+            <a:schemeClr val="accent2"/>
+          </a:fillRef>
+          <a:effectRef idx="0">
+            <a:schemeClr val="accent2"/>
+          </a:effectRef>
+          <a:fontRef idx="minor">
+            <a:schemeClr val="lt1"/>
+          </a:fontRef>
+        </p:style>
+        <p:txBody>
+          <a:bodyPr rtlCol="0" anchor="ctr"/>
+          <a:lstStyle/>
+          <a:p>
+            <a:pPr algn="ctr"/>
+            <a:endParaRPr lang="de-CH"/>
+          </a:p>
+        </p:txBody>
+      </p:sp>
+      <p:sp>
+        <p:nvSpPr>
+          <p:cNvPr id="12" name="Textfeld 11"/>
+          <p:cNvSpPr txBox="1"/>
+          <p:nvPr/>
+        </p:nvSpPr>
+        <p:spPr>
+          <a:xfrm>
+            <a:off x="6156175" y="2627620"/>
+            <a:ext cx="2237811" cy="369332"/>
+          </a:xfrm>
+          <a:prstGeom prst="rect">
+            <a:avLst/>
+          </a:prstGeom>
+          <a:noFill/>
+        </p:spPr>
+        <p:txBody>
+          <a:bodyPr wrap="square" rtlCol="0">
+            <a:spAutoFit/>
+          </a:bodyPr>
+          <a:lstStyle/>
+          <a:p>
+            <a:r>
+              <a:rPr lang="de-CH" dirty="0" err="1" smtClean="0"/>
+              <a:t>Mean</a:t>
+            </a:r>
+            <a:r>
+              <a:rPr lang="de-CH" dirty="0" smtClean="0"/>
+              <a:t> </a:t>
+            </a:r>
+            <a:r>
+              <a:rPr lang="de-CH" dirty="0" err="1" smtClean="0"/>
+              <a:t>Inflow</a:t>
+            </a:r>
+            <a:r>
+              <a:rPr lang="de-CH" dirty="0" smtClean="0"/>
+              <a:t> (2h)</a:t>
+            </a:r>
+            <a:endParaRPr lang="de-CH" dirty="0"/>
+          </a:p>
+        </p:txBody>
+      </p:sp>
+      <p:sp>
+        <p:nvSpPr>
+          <p:cNvPr id="13" name="Datumsplatzhalter 12"/>
+          <p:cNvSpPr>
+            <a:spLocks noGrp="1"/>
+          </p:cNvSpPr>
+          <p:nvPr>
+            <p:ph type="dt" sz="half" idx="10"/>
+          </p:nvPr>
+        </p:nvSpPr>
+        <p:spPr/>
+        <p:txBody>
+          <a:bodyPr/>
+          <a:lstStyle/>
+          <a:p>
+            <a:r>
+              <a:rPr lang="de-DE" smtClean="0"/>
+              <a:t>15.12.2014</a:t>
+            </a:r>
+            <a:endParaRPr lang="de-CH"/>
+          </a:p>
+        </p:txBody>
+      </p:sp>
+      <p:sp>
+        <p:nvSpPr>
+          <p:cNvPr id="14" name="Fußzeilenplatzhalter 13"/>
+          <p:cNvSpPr>
+            <a:spLocks noGrp="1"/>
+          </p:cNvSpPr>
+          <p:nvPr>
+            <p:ph type="ftr" sz="quarter" idx="12"/>
+          </p:nvPr>
+        </p:nvSpPr>
+        <p:spPr/>
+        <p:txBody>
+          <a:bodyPr/>
+          <a:lstStyle/>
+          <a:p>
+            <a:r>
+              <a:rPr lang="de-CH" smtClean="0"/>
+              <a:t>ETH Zürich - GESS</a:t>
+            </a:r>
+            <a:endParaRPr lang="de-CH"/>
+          </a:p>
+        </p:txBody>
+      </p:sp>
+      <p:sp>
+        <p:nvSpPr>
+          <p:cNvPr id="15" name="Foliennummernplatzhalter 14"/>
+          <p:cNvSpPr>
+            <a:spLocks noGrp="1"/>
+          </p:cNvSpPr>
+          <p:nvPr>
+            <p:ph type="sldNum" sz="quarter" idx="11"/>
+          </p:nvPr>
+        </p:nvSpPr>
+        <p:spPr/>
+        <p:txBody>
+          <a:bodyPr/>
+          <a:lstStyle/>
+          <a:p>
+            <a:fld id="{709AB744-4826-479B-8903-962B89629033}" type="slidenum">
+              <a:rPr lang="de-CH" smtClean="0"/>
+              <a:t>16</a:t>
+            </a:fld>
+            <a:endParaRPr lang="de-CH"/>
+          </a:p>
+        </p:txBody>
+      </p:sp>
+      <p:sp>
+        <p:nvSpPr>
+          <p:cNvPr id="16" name="Rechteck 15"/>
+          <p:cNvSpPr/>
+          <p:nvPr/>
+        </p:nvSpPr>
+        <p:spPr>
+          <a:xfrm>
+            <a:off x="5652120" y="2204864"/>
             <a:ext cx="360040" cy="288032"/>
           </a:xfrm>
           <a:prstGeom prst="rect">
@@ -5324,121 +5653,196 @@
           </a:p>
         </p:txBody>
       </p:sp>
-      <p:sp>
-        <p:nvSpPr>
-          <p:cNvPr id="12" name="Textfeld 11"/>
-          <p:cNvSpPr txBox="1"/>
-          <p:nvPr/>
-        </p:nvSpPr>
-        <p:spPr>
-          <a:xfrm>
-            <a:off x="6156175" y="2627620"/>
-            <a:ext cx="2237811" cy="369332"/>
-          </a:xfrm>
-          <a:prstGeom prst="rect">
-            <a:avLst/>
-          </a:prstGeom>
-          <a:noFill/>
-        </p:spPr>
-        <p:txBody>
-          <a:bodyPr wrap="square" rtlCol="0">
-            <a:spAutoFit/>
-          </a:bodyPr>
-          <a:lstStyle/>
-          <a:p>
-            <a:r>
-              <a:rPr lang="de-CH" dirty="0" err="1" smtClean="0"/>
-              <a:t>Mean</a:t>
-            </a:r>
-            <a:r>
-              <a:rPr lang="de-CH" dirty="0" smtClean="0"/>
-              <a:t> </a:t>
-            </a:r>
-            <a:r>
-              <a:rPr lang="de-CH" dirty="0" err="1" smtClean="0"/>
-              <a:t>Inflow</a:t>
-            </a:r>
-            <a:r>
-              <a:rPr lang="de-CH" dirty="0" smtClean="0"/>
-              <a:t> (2h)</a:t>
-            </a:r>
-            <a:endParaRPr lang="de-CH" dirty="0"/>
-          </a:p>
-        </p:txBody>
-      </p:sp>
-      <p:sp>
-        <p:nvSpPr>
-          <p:cNvPr id="13" name="Datumsplatzhalter 12"/>
-          <p:cNvSpPr>
-            <a:spLocks noGrp="1"/>
-          </p:cNvSpPr>
-          <p:nvPr>
-            <p:ph type="dt" sz="half" idx="10"/>
-          </p:nvPr>
-        </p:nvSpPr>
-        <p:spPr/>
-        <p:txBody>
-          <a:bodyPr/>
-          <a:lstStyle/>
-          <a:p>
-            <a:r>
-              <a:rPr lang="de-DE" smtClean="0"/>
-              <a:t>15.12.2014</a:t>
-            </a:r>
-            <a:endParaRPr lang="de-CH"/>
-          </a:p>
-        </p:txBody>
-      </p:sp>
-      <p:sp>
-        <p:nvSpPr>
-          <p:cNvPr id="14" name="Fußzeilenplatzhalter 13"/>
-          <p:cNvSpPr>
-            <a:spLocks noGrp="1"/>
-          </p:cNvSpPr>
-          <p:nvPr>
-            <p:ph type="ftr" sz="quarter" idx="12"/>
-          </p:nvPr>
-        </p:nvSpPr>
-        <p:spPr/>
-        <p:txBody>
-          <a:bodyPr/>
-          <a:lstStyle/>
-          <a:p>
-            <a:r>
-              <a:rPr lang="de-CH" smtClean="0"/>
-              <a:t>ETH Zürich - GESS</a:t>
-            </a:r>
-            <a:endParaRPr lang="de-CH"/>
-          </a:p>
-        </p:txBody>
-      </p:sp>
-      <p:sp>
-        <p:nvSpPr>
-          <p:cNvPr id="15" name="Foliennummernplatzhalter 14"/>
-          <p:cNvSpPr>
-            <a:spLocks noGrp="1"/>
-          </p:cNvSpPr>
-          <p:nvPr>
-            <p:ph type="sldNum" sz="quarter" idx="11"/>
-          </p:nvPr>
-        </p:nvSpPr>
-        <p:spPr/>
-        <p:txBody>
-          <a:bodyPr/>
-          <a:lstStyle/>
-          <a:p>
-            <a:fld id="{709AB744-4826-479B-8903-962B89629033}" type="slidenum">
-              <a:rPr lang="de-CH" smtClean="0"/>
-              <a:t>15</a:t>
-            </a:fld>
-            <a:endParaRPr lang="de-CH"/>
-          </a:p>
-        </p:txBody>
-      </p:sp>
     </p:spTree>
     <p:extLst>
       <p:ext uri="{BB962C8B-B14F-4D97-AF65-F5344CB8AC3E}">
         <p14:creationId xmlns:p14="http://schemas.microsoft.com/office/powerpoint/2010/main" val="4203335537"/>
+      </p:ext>
+    </p:extLst>
+  </p:cSld>
+  <p:clrMapOvr>
+    <a:masterClrMapping/>
+  </p:clrMapOvr>
+  <p:transition spd="slow">
+    <p:fade/>
+  </p:transition>
+  <p:timing>
+    <p:tnLst>
+      <p:par>
+        <p:cTn id="1" dur="indefinite" restart="never" nodeType="tmRoot"/>
+      </p:par>
+    </p:tnLst>
+  </p:timing>
+</p:sld>
+</file>
+
+<file path=ppt/slides/slide17.xml><?xml version="1.0" encoding="utf-8"?>
+<p:sld xmlns:a="http://schemas.openxmlformats.org/drawingml/2006/main" xmlns:r="http://schemas.openxmlformats.org/officeDocument/2006/relationships" xmlns:p="http://schemas.openxmlformats.org/presentationml/2006/main">
+  <p:cSld>
+    <p:spTree>
+      <p:nvGrpSpPr>
+        <p:cNvPr id="1" name=""/>
+        <p:cNvGrpSpPr/>
+        <p:nvPr/>
+      </p:nvGrpSpPr>
+      <p:grpSpPr>
+        <a:xfrm>
+          <a:off x="0" y="0"/>
+          <a:ext cx="0" cy="0"/>
+          <a:chOff x="0" y="0"/>
+          <a:chExt cx="0" cy="0"/>
+        </a:xfrm>
+      </p:grpSpPr>
+      <p:sp>
+        <p:nvSpPr>
+          <p:cNvPr id="2" name="Titel 1"/>
+          <p:cNvSpPr>
+            <a:spLocks noGrp="1"/>
+          </p:cNvSpPr>
+          <p:nvPr>
+            <p:ph type="title"/>
+          </p:nvPr>
+        </p:nvSpPr>
+        <p:spPr/>
+        <p:txBody>
+          <a:bodyPr/>
+          <a:lstStyle/>
+          <a:p>
+            <a:r>
+              <a:rPr lang="de-CH" dirty="0" err="1" smtClean="0"/>
+              <a:t>Conclusion</a:t>
+            </a:r>
+            <a:endParaRPr lang="de-CH" dirty="0"/>
+          </a:p>
+        </p:txBody>
+      </p:sp>
+      <p:sp>
+        <p:nvSpPr>
+          <p:cNvPr id="3" name="Inhaltsplatzhalter 2"/>
+          <p:cNvSpPr>
+            <a:spLocks noGrp="1"/>
+          </p:cNvSpPr>
+          <p:nvPr>
+            <p:ph idx="1"/>
+          </p:nvPr>
+        </p:nvSpPr>
+        <p:spPr/>
+        <p:txBody>
+          <a:bodyPr/>
+          <a:lstStyle/>
+          <a:p>
+            <a:r>
+              <a:rPr lang="en-GB" dirty="0" smtClean="0"/>
+              <a:t>model training was successful</a:t>
+            </a:r>
+            <a:br>
+              <a:rPr lang="en-GB" dirty="0" smtClean="0"/>
+            </a:br>
+            <a:r>
+              <a:rPr lang="en-GB" dirty="0" smtClean="0">
+                <a:sym typeface="Wingdings" pitchFamily="2" charset="2"/>
+              </a:rPr>
+              <a:t> “training dataset”</a:t>
+            </a:r>
+            <a:endParaRPr lang="en-GB" dirty="0" smtClean="0"/>
+          </a:p>
+          <a:p>
+            <a:endParaRPr lang="en-GB" dirty="0"/>
+          </a:p>
+          <a:p>
+            <a:r>
+              <a:rPr lang="en-GB" dirty="0" smtClean="0"/>
+              <a:t>big deviations despite of detailed and extensive parameter testing</a:t>
+            </a:r>
+          </a:p>
+          <a:p>
+            <a:endParaRPr lang="en-GB" dirty="0"/>
+          </a:p>
+          <a:p>
+            <a:r>
+              <a:rPr lang="en-GB" dirty="0" smtClean="0"/>
+              <a:t>unpredictable</a:t>
+            </a:r>
+          </a:p>
+          <a:p>
+            <a:endParaRPr lang="en-GB" dirty="0" smtClean="0"/>
+          </a:p>
+        </p:txBody>
+      </p:sp>
+      <p:sp>
+        <p:nvSpPr>
+          <p:cNvPr id="4" name="Datumsplatzhalter 3"/>
+          <p:cNvSpPr>
+            <a:spLocks noGrp="1"/>
+          </p:cNvSpPr>
+          <p:nvPr>
+            <p:ph type="dt" sz="half" idx="10"/>
+          </p:nvPr>
+        </p:nvSpPr>
+        <p:spPr/>
+        <p:txBody>
+          <a:bodyPr/>
+          <a:lstStyle/>
+          <a:p>
+            <a:r>
+              <a:rPr lang="de-DE" smtClean="0"/>
+              <a:t>15.12.2014</a:t>
+            </a:r>
+            <a:endParaRPr lang="de-CH" dirty="0"/>
+          </a:p>
+        </p:txBody>
+      </p:sp>
+      <p:sp>
+        <p:nvSpPr>
+          <p:cNvPr id="5" name="Foliennummernplatzhalter 4"/>
+          <p:cNvSpPr>
+            <a:spLocks noGrp="1"/>
+          </p:cNvSpPr>
+          <p:nvPr>
+            <p:ph type="sldNum" sz="quarter" idx="11"/>
+          </p:nvPr>
+        </p:nvSpPr>
+        <p:spPr/>
+        <p:txBody>
+          <a:bodyPr/>
+          <a:lstStyle/>
+          <a:p>
+            <a:fld id="{709AB744-4826-479B-8903-962B89629033}" type="slidenum">
+              <a:rPr lang="de-CH" smtClean="0"/>
+              <a:pPr/>
+              <a:t>17</a:t>
+            </a:fld>
+            <a:endParaRPr lang="de-CH" dirty="0"/>
+          </a:p>
+        </p:txBody>
+      </p:sp>
+      <p:sp>
+        <p:nvSpPr>
+          <p:cNvPr id="6" name="Fußzeilenplatzhalter 5"/>
+          <p:cNvSpPr>
+            <a:spLocks noGrp="1"/>
+          </p:cNvSpPr>
+          <p:nvPr>
+            <p:ph type="ftr" sz="quarter" idx="12"/>
+          </p:nvPr>
+        </p:nvSpPr>
+        <p:spPr/>
+        <p:txBody>
+          <a:bodyPr/>
+          <a:lstStyle/>
+          <a:p>
+            <a:r>
+              <a:rPr lang="de-CH" smtClean="0"/>
+              <a:t>ETH Zürich - GESS</a:t>
+            </a:r>
+            <a:endParaRPr lang="de-CH" dirty="0"/>
+          </a:p>
+        </p:txBody>
+      </p:sp>
+    </p:spTree>
+    <p:extLst>
+      <p:ext uri="{BB962C8B-B14F-4D97-AF65-F5344CB8AC3E}">
+        <p14:creationId xmlns:p14="http://schemas.microsoft.com/office/powerpoint/2010/main" val="141384816"/>
       </p:ext>
     </p:extLst>
   </p:cSld>
